--- a/doc/B-3_配布資料/B3炙りえんがわ_成果発表会資料.pptx
+++ b/doc/B-3_配布資料/B3炙りえんがわ_成果発表会資料.pptx
@@ -686,6 +686,101 @@
           <a:bodyPr/>
           <a:lstStyle/>
           <a:p>
+            <a:r>
+              <a:rPr kumimoji="1" lang="ja-JP" altLang="en-US" dirty="0"/>
+              <a:t>約</a:t>
+            </a:r>
+            <a:r>
+              <a:rPr kumimoji="1" lang="en-US" altLang="ja-JP" dirty="0"/>
+              <a:t>30</a:t>
+            </a:r>
+            <a:r>
+              <a:rPr kumimoji="1" lang="ja-JP" altLang="en-US" dirty="0"/>
+              <a:t>秒</a:t>
+            </a:r>
+          </a:p>
+        </p:txBody>
+      </p:sp>
+      <p:sp>
+        <p:nvSpPr>
+          <p:cNvPr id="4" name="スライド番号プレースホルダー 3"/>
+          <p:cNvSpPr>
+            <a:spLocks noGrp="1"/>
+          </p:cNvSpPr>
+          <p:nvPr>
+            <p:ph type="sldNum" sz="quarter" idx="5"/>
+          </p:nvPr>
+        </p:nvSpPr>
+        <p:spPr/>
+        <p:txBody>
+          <a:bodyPr/>
+          <a:lstStyle/>
+          <a:p>
+            <a:fld id="{7382D42A-24B4-4602-BEDB-08A64AE7D000}" type="slidenum">
+              <a:rPr kumimoji="1" lang="ja-JP" altLang="en-US" smtClean="0"/>
+              <a:t>19</a:t>
+            </a:fld>
+            <a:endParaRPr kumimoji="1" lang="ja-JP" altLang="en-US"/>
+          </a:p>
+        </p:txBody>
+      </p:sp>
+    </p:spTree>
+    <p:extLst>
+      <p:ext uri="{BB962C8B-B14F-4D97-AF65-F5344CB8AC3E}">
+        <p14:creationId xmlns:p14="http://schemas.microsoft.com/office/powerpoint/2010/main" val="3191201801"/>
+      </p:ext>
+    </p:extLst>
+  </p:cSld>
+  <p:clrMapOvr>
+    <a:masterClrMapping/>
+  </p:clrMapOvr>
+</p:notes>
+</file>
+
+<file path=ppt/notesSlides/notesSlide11.xml><?xml version="1.0" encoding="utf-8"?>
+<p:notes xmlns:a="http://schemas.openxmlformats.org/drawingml/2006/main" xmlns:r="http://schemas.openxmlformats.org/officeDocument/2006/relationships" xmlns:p="http://schemas.openxmlformats.org/presentationml/2006/main">
+  <p:cSld>
+    <p:spTree>
+      <p:nvGrpSpPr>
+        <p:cNvPr id="1" name=""/>
+        <p:cNvGrpSpPr/>
+        <p:nvPr/>
+      </p:nvGrpSpPr>
+      <p:grpSpPr>
+        <a:xfrm>
+          <a:off x="0" y="0"/>
+          <a:ext cx="0" cy="0"/>
+          <a:chOff x="0" y="0"/>
+          <a:chExt cx="0" cy="0"/>
+        </a:xfrm>
+      </p:grpSpPr>
+      <p:sp>
+        <p:nvSpPr>
+          <p:cNvPr id="2" name="スライド イメージ プレースホルダー 1"/>
+          <p:cNvSpPr>
+            <a:spLocks noGrp="1" noRot="1" noChangeAspect="1"/>
+          </p:cNvSpPr>
+          <p:nvPr>
+            <p:ph type="sldImg"/>
+          </p:nvPr>
+        </p:nvSpPr>
+        <p:spPr/>
+      </p:sp>
+      <p:sp>
+        <p:nvSpPr>
+          <p:cNvPr id="3" name="ノート プレースホルダー 2"/>
+          <p:cNvSpPr>
+            <a:spLocks noGrp="1"/>
+          </p:cNvSpPr>
+          <p:nvPr>
+            <p:ph type="body" idx="1"/>
+          </p:nvPr>
+        </p:nvSpPr>
+        <p:spPr/>
+        <p:txBody>
+          <a:bodyPr/>
+          <a:lstStyle/>
+          <a:p>
             <a:endParaRPr kumimoji="1" lang="ja-JP" altLang="en-US" dirty="0"/>
           </a:p>
         </p:txBody>
@@ -1424,18 +1519,7 @@
           <a:bodyPr/>
           <a:lstStyle/>
           <a:p>
-            <a:r>
-              <a:rPr kumimoji="1" lang="ja-JP" altLang="en-US" dirty="0"/>
-              <a:t>約</a:t>
-            </a:r>
-            <a:r>
-              <a:rPr kumimoji="1" lang="en-US" altLang="ja-JP" dirty="0"/>
-              <a:t>30</a:t>
-            </a:r>
-            <a:r>
-              <a:rPr kumimoji="1" lang="ja-JP" altLang="en-US" dirty="0"/>
-              <a:t>秒</a:t>
-            </a:r>
+            <a:endParaRPr kumimoji="1" lang="ja-JP" altLang="en-US" dirty="0"/>
           </a:p>
         </p:txBody>
       </p:sp>
@@ -1456,7 +1540,7 @@
           <a:p>
             <a:fld id="{7382D42A-24B4-4602-BEDB-08A64AE7D000}" type="slidenum">
               <a:rPr kumimoji="1" lang="ja-JP" altLang="en-US" smtClean="0"/>
-              <a:t>19</a:t>
+              <a:t>14</a:t>
             </a:fld>
             <a:endParaRPr kumimoji="1" lang="ja-JP" altLang="en-US"/>
           </a:p>
@@ -1465,7 +1549,7 @@
     </p:spTree>
     <p:extLst>
       <p:ext uri="{BB962C8B-B14F-4D97-AF65-F5344CB8AC3E}">
-        <p14:creationId xmlns:p14="http://schemas.microsoft.com/office/powerpoint/2010/main" val="3191201801"/>
+        <p14:creationId xmlns:p14="http://schemas.microsoft.com/office/powerpoint/2010/main" val="2088926987"/>
       </p:ext>
     </p:extLst>
   </p:cSld>
@@ -2151,7 +2235,7 @@
     <p:bg>
       <p:bgPr>
         <a:solidFill>
-          <a:srgbClr val="C6E872"/>
+          <a:srgbClr val="5F9EA0"/>
         </a:solidFill>
         <a:effectLst/>
       </p:bgPr>
@@ -2744,7 +2828,7 @@
     <p:bg>
       <p:bgPr>
         <a:solidFill>
-          <a:srgbClr val="C6E872"/>
+          <a:srgbClr val="5F9EA0"/>
         </a:solidFill>
         <a:effectLst/>
       </p:bgPr>
@@ -3419,7 +3503,7 @@
         </p:nvSpPr>
         <p:spPr>
           <a:xfrm>
-            <a:off x="1524000" y="4588909"/>
+            <a:off x="1524000" y="4331626"/>
             <a:ext cx="9144000" cy="1314519"/>
           </a:xfrm>
         </p:spPr>
@@ -3476,10 +3560,10 @@
       </p:sp>
       <p:pic>
         <p:nvPicPr>
-          <p:cNvPr id="5" name="図 4" descr="ロゴ&#10;&#10;自動的に生成された説明">
-            <a:extLst>
-              <a:ext uri="{FF2B5EF4-FFF2-40B4-BE49-F238E27FC236}">
-                <a16:creationId xmlns:a16="http://schemas.microsoft.com/office/drawing/2014/main" id="{B92A28D1-743A-B8B4-8805-15B29BB454F2}"/>
+          <p:cNvPr id="4" name="図 3" descr="ロゴ&#10;&#10;自動的に生成された説明">
+            <a:extLst>
+              <a:ext uri="{FF2B5EF4-FFF2-40B4-BE49-F238E27FC236}">
+                <a16:creationId xmlns:a16="http://schemas.microsoft.com/office/drawing/2014/main" id="{FEB0A237-F3EB-C256-6A89-4CED8714DEA1}"/>
               </a:ext>
             </a:extLst>
           </p:cNvPr>
@@ -3502,8 +3586,8 @@
         </p:blipFill>
         <p:spPr>
           <a:xfrm>
-            <a:off x="3339497" y="931221"/>
-            <a:ext cx="5513006" cy="3227406"/>
+            <a:off x="3339497" y="1354549"/>
+            <a:ext cx="5513006" cy="2581275"/>
           </a:xfrm>
           <a:prstGeom prst="rect">
             <a:avLst/>
@@ -3617,22 +3701,47 @@
             <a:r>
               <a:rPr kumimoji="1" lang="ja-JP" altLang="en-US" b="1" dirty="0">
                 <a:solidFill>
-                  <a:srgbClr val="056334"/>
+                  <a:srgbClr val="5F9EA0"/>
                 </a:solidFill>
                 <a:latin typeface="HGS行書体" panose="03000600000000000000" pitchFamily="66" charset="-128"/>
                 <a:ea typeface="HGS行書体" panose="03000600000000000000" pitchFamily="66" charset="-128"/>
               </a:rPr>
               <a:t>投稿数ランキング</a:t>
             </a:r>
+          </a:p>
+        </p:txBody>
+      </p:sp>
+      <p:sp>
+        <p:nvSpPr>
+          <p:cNvPr id="4" name="コンテンツ プレースホルダー 3">
+            <a:extLst>
+              <a:ext uri="{FF2B5EF4-FFF2-40B4-BE49-F238E27FC236}">
+                <a16:creationId xmlns:a16="http://schemas.microsoft.com/office/drawing/2014/main" id="{5E2E24B2-7E18-DBB8-B1F2-73FE4B35E022}"/>
+              </a:ext>
+            </a:extLst>
+          </p:cNvPr>
+          <p:cNvSpPr>
+            <a:spLocks noGrp="1"/>
+          </p:cNvSpPr>
+          <p:nvPr>
+            <p:ph idx="1"/>
+          </p:nvPr>
+        </p:nvSpPr>
+        <p:spPr/>
+        <p:txBody>
+          <a:bodyPr/>
+          <a:lstStyle/>
+          <a:p>
+            <a:endParaRPr lang="ja-JP" altLang="en-US"/>
           </a:p>
         </p:txBody>
       </p:sp>
       <p:pic>
         <p:nvPicPr>
-          <p:cNvPr id="6" name="図 5" descr="ロゴ&#10;&#10;自動的に生成された説明">
-            <a:extLst>
-              <a:ext uri="{FF2B5EF4-FFF2-40B4-BE49-F238E27FC236}">
-                <a16:creationId xmlns:a16="http://schemas.microsoft.com/office/drawing/2014/main" id="{732F8A9F-BB72-C13A-DD69-19780233B332}"/>
+          <p:cNvPr id="8" name="図 7" descr="ロゴ&#10;&#10;自動的に生成された説明">
+            <a:extLst>
+              <a:ext uri="{FF2B5EF4-FFF2-40B4-BE49-F238E27FC236}">
+                <a16:creationId xmlns:a16="http://schemas.microsoft.com/office/drawing/2014/main" id="{C64D6E3C-65D0-7B06-9B23-5688B5DAACE6}"/>
               </a:ext>
             </a:extLst>
           </p:cNvPr>
@@ -3655,47 +3764,12 @@
         </p:blipFill>
         <p:spPr>
           <a:xfrm>
-            <a:off x="10270436" y="5919485"/>
+            <a:off x="10221490" y="5889093"/>
             <a:ext cx="1081500" cy="504700"/>
           </a:xfrm>
           <a:prstGeom prst="rect">
             <a:avLst/>
           </a:prstGeom>
-        </p:spPr>
-      </p:pic>
-      <p:pic>
-        <p:nvPicPr>
-          <p:cNvPr id="7" name="コンテンツ プレースホルダー 6" descr="グラフィカル ユーザー インターフェイス, テキスト&#10;&#10;自動的に生成された説明">
-            <a:extLst>
-              <a:ext uri="{FF2B5EF4-FFF2-40B4-BE49-F238E27FC236}">
-                <a16:creationId xmlns:a16="http://schemas.microsoft.com/office/drawing/2014/main" id="{3FF85431-AC6B-7417-01BC-E2B8DB9B4FA2}"/>
-              </a:ext>
-            </a:extLst>
-          </p:cNvPr>
-          <p:cNvPicPr>
-            <a:picLocks noGrp="1" noChangeAspect="1"/>
-          </p:cNvPicPr>
-          <p:nvPr>
-            <p:ph idx="1"/>
-          </p:nvPr>
-        </p:nvPicPr>
-        <p:blipFill>
-          <a:blip r:embed="rId4">
-            <a:extLst>
-              <a:ext uri="{28A0092B-C50C-407E-A947-70E740481C1C}">
-                <a14:useLocalDpi xmlns:a14="http://schemas.microsoft.com/office/drawing/2010/main" val="0"/>
-              </a:ext>
-            </a:extLst>
-          </a:blip>
-          <a:stretch>
-            <a:fillRect/>
-          </a:stretch>
-        </p:blipFill>
-        <p:spPr>
-          <a:xfrm>
-            <a:off x="2226255" y="1754326"/>
-            <a:ext cx="7739489" cy="4351338"/>
-          </a:xfrm>
         </p:spPr>
       </p:pic>
     </p:spTree>
@@ -3805,7 +3879,7 @@
             <a:r>
               <a:rPr kumimoji="1" lang="ja-JP" altLang="en-US" b="1" dirty="0">
                 <a:solidFill>
-                  <a:srgbClr val="056334"/>
+                  <a:srgbClr val="5F9EA0"/>
                 </a:solidFill>
                 <a:latin typeface="HGS行書体" panose="03000600000000000000" pitchFamily="66" charset="-128"/>
                 <a:ea typeface="HGS行書体" panose="03000600000000000000" pitchFamily="66" charset="-128"/>
@@ -3815,7 +3889,7 @@
             <a:r>
               <a:rPr kumimoji="1" lang="en-US" altLang="ja-JP" b="1" dirty="0">
                 <a:solidFill>
-                  <a:srgbClr val="056334"/>
+                  <a:srgbClr val="5F9EA0"/>
                 </a:solidFill>
                 <a:latin typeface="HGS行書体" panose="03000600000000000000" pitchFamily="66" charset="-128"/>
                 <a:ea typeface="HGS行書体" panose="03000600000000000000" pitchFamily="66" charset="-128"/>
@@ -3825,22 +3899,47 @@
             <a:r>
               <a:rPr kumimoji="1" lang="ja-JP" altLang="en-US" b="1" dirty="0">
                 <a:solidFill>
-                  <a:srgbClr val="056334"/>
+                  <a:srgbClr val="5F9EA0"/>
                 </a:solidFill>
                 <a:latin typeface="HGS行書体" panose="03000600000000000000" pitchFamily="66" charset="-128"/>
                 <a:ea typeface="HGS行書体" panose="03000600000000000000" pitchFamily="66" charset="-128"/>
               </a:rPr>
               <a:t>ルーレット</a:t>
             </a:r>
+          </a:p>
+        </p:txBody>
+      </p:sp>
+      <p:sp>
+        <p:nvSpPr>
+          <p:cNvPr id="4" name="コンテンツ プレースホルダー 3">
+            <a:extLst>
+              <a:ext uri="{FF2B5EF4-FFF2-40B4-BE49-F238E27FC236}">
+                <a16:creationId xmlns:a16="http://schemas.microsoft.com/office/drawing/2014/main" id="{F5E1A19D-0C5E-2E75-B82B-0BD43B9FC059}"/>
+              </a:ext>
+            </a:extLst>
+          </p:cNvPr>
+          <p:cNvSpPr>
+            <a:spLocks noGrp="1"/>
+          </p:cNvSpPr>
+          <p:nvPr>
+            <p:ph idx="1"/>
+          </p:nvPr>
+        </p:nvSpPr>
+        <p:spPr/>
+        <p:txBody>
+          <a:bodyPr/>
+          <a:lstStyle/>
+          <a:p>
+            <a:endParaRPr lang="ja-JP" altLang="en-US"/>
           </a:p>
         </p:txBody>
       </p:sp>
       <p:pic>
         <p:nvPicPr>
-          <p:cNvPr id="6" name="図 5" descr="ロゴ&#10;&#10;自動的に生成された説明">
-            <a:extLst>
-              <a:ext uri="{FF2B5EF4-FFF2-40B4-BE49-F238E27FC236}">
-                <a16:creationId xmlns:a16="http://schemas.microsoft.com/office/drawing/2014/main" id="{732F8A9F-BB72-C13A-DD69-19780233B332}"/>
+          <p:cNvPr id="8" name="図 7" descr="ロゴ&#10;&#10;自動的に生成された説明">
+            <a:extLst>
+              <a:ext uri="{FF2B5EF4-FFF2-40B4-BE49-F238E27FC236}">
+                <a16:creationId xmlns:a16="http://schemas.microsoft.com/office/drawing/2014/main" id="{E6C2D08B-F9C1-7769-BCA3-147FB2D06347}"/>
               </a:ext>
             </a:extLst>
           </p:cNvPr>
@@ -3863,47 +3962,12 @@
         </p:blipFill>
         <p:spPr>
           <a:xfrm>
-            <a:off x="10270436" y="5919485"/>
+            <a:off x="10221490" y="5889093"/>
             <a:ext cx="1081500" cy="504700"/>
           </a:xfrm>
           <a:prstGeom prst="rect">
             <a:avLst/>
           </a:prstGeom>
-        </p:spPr>
-      </p:pic>
-      <p:pic>
-        <p:nvPicPr>
-          <p:cNvPr id="7" name="コンテンツ プレースホルダー 6" descr="グラフィカル ユーザー インターフェイス, アプリケーション&#10;&#10;自動的に生成された説明">
-            <a:extLst>
-              <a:ext uri="{FF2B5EF4-FFF2-40B4-BE49-F238E27FC236}">
-                <a16:creationId xmlns:a16="http://schemas.microsoft.com/office/drawing/2014/main" id="{1AB40189-6639-C760-6D6B-FDA07A1E8613}"/>
-              </a:ext>
-            </a:extLst>
-          </p:cNvPr>
-          <p:cNvPicPr>
-            <a:picLocks noGrp="1" noChangeAspect="1"/>
-          </p:cNvPicPr>
-          <p:nvPr>
-            <p:ph idx="1"/>
-          </p:nvPr>
-        </p:nvPicPr>
-        <p:blipFill>
-          <a:blip r:embed="rId4">
-            <a:extLst>
-              <a:ext uri="{28A0092B-C50C-407E-A947-70E740481C1C}">
-                <a14:useLocalDpi xmlns:a14="http://schemas.microsoft.com/office/drawing/2010/main" val="0"/>
-              </a:ext>
-            </a:extLst>
-          </a:blip>
-          <a:stretch>
-            <a:fillRect/>
-          </a:stretch>
-        </p:blipFill>
-        <p:spPr>
-          <a:xfrm>
-            <a:off x="2013632" y="1754326"/>
-            <a:ext cx="8164735" cy="4351338"/>
-          </a:xfrm>
         </p:spPr>
       </p:pic>
     </p:spTree>
@@ -4013,22 +4077,47 @@
             <a:r>
               <a:rPr kumimoji="1" lang="ja-JP" altLang="en-US" b="1" dirty="0">
                 <a:solidFill>
-                  <a:srgbClr val="056334"/>
+                  <a:srgbClr val="5F9EA0"/>
                 </a:solidFill>
                 <a:latin typeface="HGS行書体" panose="03000600000000000000" pitchFamily="66" charset="-128"/>
                 <a:ea typeface="HGS行書体" panose="03000600000000000000" pitchFamily="66" charset="-128"/>
               </a:rPr>
               <a:t>投稿ページ</a:t>
             </a:r>
+          </a:p>
+        </p:txBody>
+      </p:sp>
+      <p:sp>
+        <p:nvSpPr>
+          <p:cNvPr id="4" name="コンテンツ プレースホルダー 3">
+            <a:extLst>
+              <a:ext uri="{FF2B5EF4-FFF2-40B4-BE49-F238E27FC236}">
+                <a16:creationId xmlns:a16="http://schemas.microsoft.com/office/drawing/2014/main" id="{ADDF8174-8F54-3C0E-36FA-6C0D7C7C6649}"/>
+              </a:ext>
+            </a:extLst>
+          </p:cNvPr>
+          <p:cNvSpPr>
+            <a:spLocks noGrp="1"/>
+          </p:cNvSpPr>
+          <p:nvPr>
+            <p:ph idx="1"/>
+          </p:nvPr>
+        </p:nvSpPr>
+        <p:spPr/>
+        <p:txBody>
+          <a:bodyPr/>
+          <a:lstStyle/>
+          <a:p>
+            <a:endParaRPr lang="ja-JP" altLang="en-US"/>
           </a:p>
         </p:txBody>
       </p:sp>
       <p:pic>
         <p:nvPicPr>
-          <p:cNvPr id="6" name="図 5" descr="ロゴ&#10;&#10;自動的に生成された説明">
-            <a:extLst>
-              <a:ext uri="{FF2B5EF4-FFF2-40B4-BE49-F238E27FC236}">
-                <a16:creationId xmlns:a16="http://schemas.microsoft.com/office/drawing/2014/main" id="{732F8A9F-BB72-C13A-DD69-19780233B332}"/>
+          <p:cNvPr id="8" name="図 7" descr="ロゴ&#10;&#10;自動的に生成された説明">
+            <a:extLst>
+              <a:ext uri="{FF2B5EF4-FFF2-40B4-BE49-F238E27FC236}">
+                <a16:creationId xmlns:a16="http://schemas.microsoft.com/office/drawing/2014/main" id="{AE6A904B-1359-1969-F6E3-1D0BE1BC7D09}"/>
               </a:ext>
             </a:extLst>
           </p:cNvPr>
@@ -4051,47 +4140,12 @@
         </p:blipFill>
         <p:spPr>
           <a:xfrm>
-            <a:off x="10270436" y="5919485"/>
+            <a:off x="10221490" y="5889093"/>
             <a:ext cx="1081500" cy="504700"/>
           </a:xfrm>
           <a:prstGeom prst="rect">
             <a:avLst/>
           </a:prstGeom>
-        </p:spPr>
-      </p:pic>
-      <p:pic>
-        <p:nvPicPr>
-          <p:cNvPr id="7" name="コンテンツ プレースホルダー 6" descr="グラフィカル ユーザー インターフェイス, テキスト, アプリケーション&#10;&#10;自動的に生成された説明">
-            <a:extLst>
-              <a:ext uri="{FF2B5EF4-FFF2-40B4-BE49-F238E27FC236}">
-                <a16:creationId xmlns:a16="http://schemas.microsoft.com/office/drawing/2014/main" id="{3F32D4AA-5069-3189-54F5-B735A2E14FDC}"/>
-              </a:ext>
-            </a:extLst>
-          </p:cNvPr>
-          <p:cNvPicPr>
-            <a:picLocks noGrp="1" noChangeAspect="1"/>
-          </p:cNvPicPr>
-          <p:nvPr>
-            <p:ph idx="1"/>
-          </p:nvPr>
-        </p:nvPicPr>
-        <p:blipFill>
-          <a:blip r:embed="rId4">
-            <a:extLst>
-              <a:ext uri="{28A0092B-C50C-407E-A947-70E740481C1C}">
-                <a14:useLocalDpi xmlns:a14="http://schemas.microsoft.com/office/drawing/2010/main" val="0"/>
-              </a:ext>
-            </a:extLst>
-          </a:blip>
-          <a:stretch>
-            <a:fillRect/>
-          </a:stretch>
-        </p:blipFill>
-        <p:spPr>
-          <a:xfrm>
-            <a:off x="2226255" y="1754326"/>
-            <a:ext cx="7739489" cy="4351338"/>
-          </a:xfrm>
         </p:spPr>
       </p:pic>
     </p:spTree>
@@ -4190,7 +4244,7 @@
         </p:nvGrpSpPr>
         <p:grpSpPr>
           <a:xfrm>
-            <a:off x="441723" y="149625"/>
+            <a:off x="441723" y="116375"/>
             <a:ext cx="11341804" cy="1930400"/>
             <a:chOff x="438350" y="98251"/>
             <a:chExt cx="11341804" cy="1930400"/>
@@ -4497,42 +4551,6 @@
           </a:p>
         </p:txBody>
       </p:sp>
-      <p:pic>
-        <p:nvPicPr>
-          <p:cNvPr id="6" name="図 5" descr="ロゴ&#10;&#10;自動的に生成された説明">
-            <a:extLst>
-              <a:ext uri="{FF2B5EF4-FFF2-40B4-BE49-F238E27FC236}">
-                <a16:creationId xmlns:a16="http://schemas.microsoft.com/office/drawing/2014/main" id="{15E48D08-6D4C-7BF0-61BD-1B24D0E7D8B8}"/>
-              </a:ext>
-            </a:extLst>
-          </p:cNvPr>
-          <p:cNvPicPr>
-            <a:picLocks noChangeAspect="1"/>
-          </p:cNvPicPr>
-          <p:nvPr/>
-        </p:nvPicPr>
-        <p:blipFill>
-          <a:blip r:embed="rId4">
-            <a:extLst>
-              <a:ext uri="{28A0092B-C50C-407E-A947-70E740481C1C}">
-                <a14:useLocalDpi xmlns:a14="http://schemas.microsoft.com/office/drawing/2010/main" val="0"/>
-              </a:ext>
-            </a:extLst>
-          </a:blip>
-          <a:stretch>
-            <a:fillRect/>
-          </a:stretch>
-        </p:blipFill>
-        <p:spPr>
-          <a:xfrm>
-            <a:off x="10270436" y="5919485"/>
-            <a:ext cx="1081500" cy="504700"/>
-          </a:xfrm>
-          <a:prstGeom prst="rect">
-            <a:avLst/>
-          </a:prstGeom>
-        </p:spPr>
-      </p:pic>
       <p:sp>
         <p:nvSpPr>
           <p:cNvPr id="10" name="コンテンツ プレースホルダー 2">
@@ -4784,7 +4802,7 @@
           <p:nvPr/>
         </p:nvPicPr>
         <p:blipFill>
-          <a:blip r:embed="rId5">
+          <a:blip r:embed="rId4">
             <a:extLst>
               <a:ext uri="{28A0092B-C50C-407E-A947-70E740481C1C}">
                 <a14:useLocalDpi xmlns:a14="http://schemas.microsoft.com/office/drawing/2010/main" val="0"/>
@@ -4807,7 +4825,7 @@
       </p:pic>
       <mc:AlternateContent xmlns:mc="http://schemas.openxmlformats.org/markup-compatibility/2006" xmlns:p14="http://schemas.microsoft.com/office/powerpoint/2010/main">
         <mc:Choice Requires="p14">
-          <p:contentPart p14:bwMode="auto" r:id="rId6">
+          <p:contentPart p14:bwMode="auto" r:id="rId5">
             <p14:nvContentPartPr>
               <p14:cNvPr id="36" name="インク 35">
                 <a:extLst>
@@ -4908,6 +4926,42 @@
           </a:p>
         </p:txBody>
       </p:sp>
+      <p:pic>
+        <p:nvPicPr>
+          <p:cNvPr id="4" name="図 3" descr="ロゴ&#10;&#10;自動的に生成された説明">
+            <a:extLst>
+              <a:ext uri="{FF2B5EF4-FFF2-40B4-BE49-F238E27FC236}">
+                <a16:creationId xmlns:a16="http://schemas.microsoft.com/office/drawing/2014/main" id="{CFE551B5-CFCD-B1ED-0449-7A554F4A25CD}"/>
+              </a:ext>
+            </a:extLst>
+          </p:cNvPr>
+          <p:cNvPicPr>
+            <a:picLocks noChangeAspect="1"/>
+          </p:cNvPicPr>
+          <p:nvPr/>
+        </p:nvPicPr>
+        <p:blipFill>
+          <a:blip r:embed="rId8">
+            <a:extLst>
+              <a:ext uri="{28A0092B-C50C-407E-A947-70E740481C1C}">
+                <a14:useLocalDpi xmlns:a14="http://schemas.microsoft.com/office/drawing/2010/main" val="0"/>
+              </a:ext>
+            </a:extLst>
+          </a:blip>
+          <a:stretch>
+            <a:fillRect/>
+          </a:stretch>
+        </p:blipFill>
+        <p:spPr>
+          <a:xfrm>
+            <a:off x="10221490" y="5889093"/>
+            <a:ext cx="1081500" cy="504700"/>
+          </a:xfrm>
+          <a:prstGeom prst="rect">
+            <a:avLst/>
+          </a:prstGeom>
+        </p:spPr>
+      </p:pic>
     </p:spTree>
     <p:extLst>
       <p:ext uri="{BB962C8B-B14F-4D97-AF65-F5344CB8AC3E}">
@@ -5020,7 +5074,7 @@
             <a:r>
               <a:rPr kumimoji="1" lang="ja-JP" altLang="en-US" b="1" dirty="0">
                 <a:solidFill>
-                  <a:srgbClr val="056334"/>
+                  <a:srgbClr val="004080"/>
                 </a:solidFill>
                 <a:latin typeface="HGS行書体" panose="03000600000000000000" pitchFamily="66" charset="-128"/>
                 <a:ea typeface="HGS行書体" panose="03000600000000000000" pitchFamily="66" charset="-128"/>
@@ -5115,42 +5169,6 @@
           </a:p>
         </p:txBody>
       </p:sp>
-      <p:pic>
-        <p:nvPicPr>
-          <p:cNvPr id="6" name="図 5" descr="ロゴ&#10;&#10;自動的に生成された説明">
-            <a:extLst>
-              <a:ext uri="{FF2B5EF4-FFF2-40B4-BE49-F238E27FC236}">
-                <a16:creationId xmlns:a16="http://schemas.microsoft.com/office/drawing/2014/main" id="{85836D15-C73A-688D-0D9C-2252DCA1C984}"/>
-              </a:ext>
-            </a:extLst>
-          </p:cNvPr>
-          <p:cNvPicPr>
-            <a:picLocks noChangeAspect="1"/>
-          </p:cNvPicPr>
-          <p:nvPr/>
-        </p:nvPicPr>
-        <p:blipFill>
-          <a:blip r:embed="rId2">
-            <a:extLst>
-              <a:ext uri="{28A0092B-C50C-407E-A947-70E740481C1C}">
-                <a14:useLocalDpi xmlns:a14="http://schemas.microsoft.com/office/drawing/2010/main" val="0"/>
-              </a:ext>
-            </a:extLst>
-          </a:blip>
-          <a:stretch>
-            <a:fillRect/>
-          </a:stretch>
-        </p:blipFill>
-        <p:spPr>
-          <a:xfrm>
-            <a:off x="10270436" y="5919485"/>
-            <a:ext cx="1081500" cy="504700"/>
-          </a:xfrm>
-          <a:prstGeom prst="rect">
-            <a:avLst/>
-          </a:prstGeom>
-        </p:spPr>
-      </p:pic>
       <p:sp>
         <p:nvSpPr>
           <p:cNvPr id="7" name="コンテンツ プレースホルダー 2">
@@ -5167,7 +5185,7 @@
         </p:nvSpPr>
         <p:spPr>
           <a:xfrm>
-            <a:off x="993913" y="1693297"/>
+            <a:off x="1043788" y="1693297"/>
             <a:ext cx="10358023" cy="501263"/>
           </a:xfrm>
           <a:prstGeom prst="rect">
@@ -5355,17 +5373,7 @@
                 <a:latin typeface="BIZ UDP明朝 Medium" panose="02020500000000000000" pitchFamily="18" charset="-128"/>
                 <a:ea typeface="BIZ UDP明朝 Medium" panose="02020500000000000000" pitchFamily="18" charset="-128"/>
               </a:rPr>
-              <a:t>個人成長：目標や計画を立てるよう</a:t>
-            </a:r>
-            <a:r>
-              <a:rPr lang="ja-JP" altLang="en-US" sz="2400" b="1">
-                <a:solidFill>
-                  <a:srgbClr val="FF0000"/>
-                </a:solidFill>
-                <a:latin typeface="BIZ UDP明朝 Medium" panose="02020500000000000000" pitchFamily="18" charset="-128"/>
-                <a:ea typeface="BIZ UDP明朝 Medium" panose="02020500000000000000" pitchFamily="18" charset="-128"/>
-              </a:rPr>
-              <a:t>になった！　</a:t>
+              <a:t>個人成長：目標や計画を立てるようになった！　</a:t>
             </a:r>
             <a:endParaRPr lang="ja-JP" altLang="en-US" b="1" dirty="0">
               <a:solidFill>
@@ -5391,7 +5399,7 @@
         </p:nvGrpSpPr>
         <p:grpSpPr>
           <a:xfrm>
-            <a:off x="1041006" y="506437"/>
+            <a:off x="957881" y="506437"/>
             <a:ext cx="2076104" cy="1837752"/>
             <a:chOff x="1797901" y="2260387"/>
             <a:chExt cx="2306080" cy="2137359"/>
@@ -5492,6 +5500,42 @@
           </p:spPr>
         </p:pic>
       </p:grpSp>
+      <p:pic>
+        <p:nvPicPr>
+          <p:cNvPr id="11" name="図 10" descr="ロゴ&#10;&#10;自動的に生成された説明">
+            <a:extLst>
+              <a:ext uri="{FF2B5EF4-FFF2-40B4-BE49-F238E27FC236}">
+                <a16:creationId xmlns:a16="http://schemas.microsoft.com/office/drawing/2014/main" id="{47F0C149-0B32-63A9-91FB-DC7E3AC9181C}"/>
+              </a:ext>
+            </a:extLst>
+          </p:cNvPr>
+          <p:cNvPicPr>
+            <a:picLocks noChangeAspect="1"/>
+          </p:cNvPicPr>
+          <p:nvPr/>
+        </p:nvPicPr>
+        <p:blipFill>
+          <a:blip r:embed="rId5">
+            <a:extLst>
+              <a:ext uri="{28A0092B-C50C-407E-A947-70E740481C1C}">
+                <a14:useLocalDpi xmlns:a14="http://schemas.microsoft.com/office/drawing/2010/main" val="0"/>
+              </a:ext>
+            </a:extLst>
+          </a:blip>
+          <a:stretch>
+            <a:fillRect/>
+          </a:stretch>
+        </p:blipFill>
+        <p:spPr>
+          <a:xfrm>
+            <a:off x="10221490" y="5889093"/>
+            <a:ext cx="1081500" cy="504700"/>
+          </a:xfrm>
+          <a:prstGeom prst="rect">
+            <a:avLst/>
+          </a:prstGeom>
+        </p:spPr>
+      </p:pic>
     </p:spTree>
     <p:extLst>
       <p:ext uri="{BB962C8B-B14F-4D97-AF65-F5344CB8AC3E}">
@@ -5604,7 +5648,7 @@
             <a:r>
               <a:rPr lang="ja-JP" altLang="en-US" b="1" dirty="0">
                 <a:solidFill>
-                  <a:srgbClr val="056334"/>
+                  <a:srgbClr val="004080"/>
                 </a:solidFill>
                 <a:latin typeface="HGS行書体" panose="03000600000000000000" pitchFamily="66" charset="-128"/>
                 <a:ea typeface="HGS行書体" panose="03000600000000000000" pitchFamily="66" charset="-128"/>
@@ -5613,7 +5657,7 @@
             </a:r>
             <a:endParaRPr kumimoji="1" lang="ja-JP" altLang="en-US" b="1" dirty="0">
               <a:solidFill>
-                <a:srgbClr val="056334"/>
+                <a:srgbClr val="004080"/>
               </a:solidFill>
               <a:latin typeface="HGS行書体" panose="03000600000000000000" pitchFamily="66" charset="-128"/>
               <a:ea typeface="HGS行書体" panose="03000600000000000000" pitchFamily="66" charset="-128"/>
@@ -5684,7 +5728,21 @@
                 <a:latin typeface="BIZ UDP明朝 Medium" panose="02020500000000000000" pitchFamily="18" charset="-128"/>
                 <a:ea typeface="BIZ UDP明朝 Medium" panose="02020500000000000000" pitchFamily="18" charset="-128"/>
               </a:rPr>
-              <a:t>常に意見を出してくれるうえ、話を進めてくれる。作業中でもすぐに手を止めて仲間の話に耳を傾けてくれた。ムービーメーカーで、チームに限らずクラス全体を活気あるものにしてくれてありがとう！​</a:t>
+              <a:t>常に意見を出してくれるうえ、話を進めてくれる。作業中でもすぐに手を止めて仲間の話に耳を傾けてくれた。</a:t>
+            </a:r>
+            <a:r>
+              <a:rPr lang="ja-JP" altLang="en-US" sz="2000" dirty="0">
+                <a:latin typeface="BIZ UDP明朝 Medium" panose="02020500000000000000" pitchFamily="18" charset="-128"/>
+                <a:ea typeface="BIZ UDP明朝 Medium" panose="02020500000000000000" pitchFamily="18" charset="-128"/>
+              </a:rPr>
+              <a:t>ムードメーカー</a:t>
+            </a:r>
+            <a:r>
+              <a:rPr kumimoji="1" lang="ja-JP" altLang="en-US" sz="2000" dirty="0">
+                <a:latin typeface="BIZ UDP明朝 Medium" panose="02020500000000000000" pitchFamily="18" charset="-128"/>
+                <a:ea typeface="BIZ UDP明朝 Medium" panose="02020500000000000000" pitchFamily="18" charset="-128"/>
+              </a:rPr>
+              <a:t>で、チームに限らずクラス全体を活気あるものにしてくれてありがとう！​</a:t>
             </a:r>
             <a:endParaRPr kumimoji="1" lang="en-US" altLang="ja-JP" sz="2000" dirty="0">
               <a:latin typeface="BIZ UDP明朝 Medium" panose="02020500000000000000" pitchFamily="18" charset="-128"/>
@@ -5706,42 +5764,6 @@
           </a:p>
         </p:txBody>
       </p:sp>
-      <p:pic>
-        <p:nvPicPr>
-          <p:cNvPr id="6" name="図 5" descr="ロゴ&#10;&#10;自動的に生成された説明">
-            <a:extLst>
-              <a:ext uri="{FF2B5EF4-FFF2-40B4-BE49-F238E27FC236}">
-                <a16:creationId xmlns:a16="http://schemas.microsoft.com/office/drawing/2014/main" id="{85836D15-C73A-688D-0D9C-2252DCA1C984}"/>
-              </a:ext>
-            </a:extLst>
-          </p:cNvPr>
-          <p:cNvPicPr>
-            <a:picLocks noChangeAspect="1"/>
-          </p:cNvPicPr>
-          <p:nvPr/>
-        </p:nvPicPr>
-        <p:blipFill>
-          <a:blip r:embed="rId2">
-            <a:extLst>
-              <a:ext uri="{28A0092B-C50C-407E-A947-70E740481C1C}">
-                <a14:useLocalDpi xmlns:a14="http://schemas.microsoft.com/office/drawing/2010/main" val="0"/>
-              </a:ext>
-            </a:extLst>
-          </a:blip>
-          <a:stretch>
-            <a:fillRect/>
-          </a:stretch>
-        </p:blipFill>
-        <p:spPr>
-          <a:xfrm>
-            <a:off x="10270436" y="5919485"/>
-            <a:ext cx="1081500" cy="504700"/>
-          </a:xfrm>
-          <a:prstGeom prst="rect">
-            <a:avLst/>
-          </a:prstGeom>
-        </p:spPr>
-      </p:pic>
       <p:sp>
         <p:nvSpPr>
           <p:cNvPr id="7" name="コンテンツ プレースホルダー 2">
@@ -6013,7 +6035,7 @@
             <p:nvPr/>
           </p:nvPicPr>
           <p:blipFill>
-            <a:blip r:embed="rId3">
+            <a:blip r:embed="rId2">
               <a:extLst>
                 <a:ext uri="{28A0092B-C50C-407E-A947-70E740481C1C}">
                   <a14:useLocalDpi xmlns:a14="http://schemas.microsoft.com/office/drawing/2010/main" val="0"/>
@@ -6060,7 +6082,7 @@
             <p:nvPr/>
           </p:nvPicPr>
           <p:blipFill>
-            <a:blip r:embed="rId4">
+            <a:blip r:embed="rId3">
               <a:extLst>
                 <a:ext uri="{28A0092B-C50C-407E-A947-70E740481C1C}">
                   <a14:useLocalDpi xmlns:a14="http://schemas.microsoft.com/office/drawing/2010/main" val="0"/>
@@ -6093,6 +6115,42 @@
           </p:spPr>
         </p:pic>
       </p:grpSp>
+      <p:pic>
+        <p:nvPicPr>
+          <p:cNvPr id="11" name="図 10" descr="ロゴ&#10;&#10;自動的に生成された説明">
+            <a:extLst>
+              <a:ext uri="{FF2B5EF4-FFF2-40B4-BE49-F238E27FC236}">
+                <a16:creationId xmlns:a16="http://schemas.microsoft.com/office/drawing/2014/main" id="{51B21451-0506-848A-D8C5-A0F11E7EEACC}"/>
+              </a:ext>
+            </a:extLst>
+          </p:cNvPr>
+          <p:cNvPicPr>
+            <a:picLocks noChangeAspect="1"/>
+          </p:cNvPicPr>
+          <p:nvPr/>
+        </p:nvPicPr>
+        <p:blipFill>
+          <a:blip r:embed="rId4">
+            <a:extLst>
+              <a:ext uri="{28A0092B-C50C-407E-A947-70E740481C1C}">
+                <a14:useLocalDpi xmlns:a14="http://schemas.microsoft.com/office/drawing/2010/main" val="0"/>
+              </a:ext>
+            </a:extLst>
+          </a:blip>
+          <a:stretch>
+            <a:fillRect/>
+          </a:stretch>
+        </p:blipFill>
+        <p:spPr>
+          <a:xfrm>
+            <a:off x="10221490" y="5889093"/>
+            <a:ext cx="1081500" cy="504700"/>
+          </a:xfrm>
+          <a:prstGeom prst="rect">
+            <a:avLst/>
+          </a:prstGeom>
+        </p:spPr>
+      </p:pic>
     </p:spTree>
     <p:extLst>
       <p:ext uri="{BB962C8B-B14F-4D97-AF65-F5344CB8AC3E}">
@@ -6205,7 +6263,7 @@
             <a:r>
               <a:rPr lang="ja-JP" altLang="en-US" b="1" dirty="0">
                 <a:solidFill>
-                  <a:srgbClr val="056334"/>
+                  <a:srgbClr val="004080"/>
                 </a:solidFill>
                 <a:latin typeface="HGS行書体" panose="03000600000000000000" pitchFamily="66" charset="-128"/>
                 <a:ea typeface="HGS行書体" panose="03000600000000000000" pitchFamily="66" charset="-128"/>
@@ -6214,7 +6272,7 @@
             </a:r>
             <a:endParaRPr kumimoji="1" lang="ja-JP" altLang="en-US" b="1" dirty="0">
               <a:solidFill>
-                <a:srgbClr val="056334"/>
+                <a:srgbClr val="004080"/>
               </a:solidFill>
               <a:latin typeface="HGS行書体" panose="03000600000000000000" pitchFamily="66" charset="-128"/>
               <a:ea typeface="HGS行書体" panose="03000600000000000000" pitchFamily="66" charset="-128"/>
@@ -6311,42 +6369,6 @@
           </a:p>
         </p:txBody>
       </p:sp>
-      <p:pic>
-        <p:nvPicPr>
-          <p:cNvPr id="6" name="図 5" descr="ロゴ&#10;&#10;自動的に生成された説明">
-            <a:extLst>
-              <a:ext uri="{FF2B5EF4-FFF2-40B4-BE49-F238E27FC236}">
-                <a16:creationId xmlns:a16="http://schemas.microsoft.com/office/drawing/2014/main" id="{85836D15-C73A-688D-0D9C-2252DCA1C984}"/>
-              </a:ext>
-            </a:extLst>
-          </p:cNvPr>
-          <p:cNvPicPr>
-            <a:picLocks noChangeAspect="1"/>
-          </p:cNvPicPr>
-          <p:nvPr/>
-        </p:nvPicPr>
-        <p:blipFill>
-          <a:blip r:embed="rId2">
-            <a:extLst>
-              <a:ext uri="{28A0092B-C50C-407E-A947-70E740481C1C}">
-                <a14:useLocalDpi xmlns:a14="http://schemas.microsoft.com/office/drawing/2010/main" val="0"/>
-              </a:ext>
-            </a:extLst>
-          </a:blip>
-          <a:stretch>
-            <a:fillRect/>
-          </a:stretch>
-        </p:blipFill>
-        <p:spPr>
-          <a:xfrm>
-            <a:off x="10270436" y="5919485"/>
-            <a:ext cx="1081500" cy="504700"/>
-          </a:xfrm>
-          <a:prstGeom prst="rect">
-            <a:avLst/>
-          </a:prstGeom>
-        </p:spPr>
-      </p:pic>
       <p:sp>
         <p:nvSpPr>
           <p:cNvPr id="7" name="コンテンツ プレースホルダー 2">
@@ -6578,7 +6600,7 @@
           <p:nvPr/>
         </p:nvPicPr>
         <p:blipFill>
-          <a:blip r:embed="rId3">
+          <a:blip r:embed="rId2">
             <a:extLst>
               <a:ext uri="{28A0092B-C50C-407E-A947-70E740481C1C}">
                 <a14:useLocalDpi xmlns:a14="http://schemas.microsoft.com/office/drawing/2010/main" val="0"/>
@@ -6608,6 +6630,42 @@
               </a14:hiddenFill>
             </a:ext>
           </a:extLst>
+        </p:spPr>
+      </p:pic>
+      <p:pic>
+        <p:nvPicPr>
+          <p:cNvPr id="9" name="図 8" descr="ロゴ&#10;&#10;自動的に生成された説明">
+            <a:extLst>
+              <a:ext uri="{FF2B5EF4-FFF2-40B4-BE49-F238E27FC236}">
+                <a16:creationId xmlns:a16="http://schemas.microsoft.com/office/drawing/2014/main" id="{4B98865E-DED3-EAD0-5F2E-733D4FEF1746}"/>
+              </a:ext>
+            </a:extLst>
+          </p:cNvPr>
+          <p:cNvPicPr>
+            <a:picLocks noChangeAspect="1"/>
+          </p:cNvPicPr>
+          <p:nvPr/>
+        </p:nvPicPr>
+        <p:blipFill>
+          <a:blip r:embed="rId3">
+            <a:extLst>
+              <a:ext uri="{28A0092B-C50C-407E-A947-70E740481C1C}">
+                <a14:useLocalDpi xmlns:a14="http://schemas.microsoft.com/office/drawing/2010/main" val="0"/>
+              </a:ext>
+            </a:extLst>
+          </a:blip>
+          <a:stretch>
+            <a:fillRect/>
+          </a:stretch>
+        </p:blipFill>
+        <p:spPr>
+          <a:xfrm>
+            <a:off x="10221490" y="5889093"/>
+            <a:ext cx="1081500" cy="504700"/>
+          </a:xfrm>
+          <a:prstGeom prst="rect">
+            <a:avLst/>
+          </a:prstGeom>
         </p:spPr>
       </p:pic>
     </p:spTree>
@@ -6722,7 +6780,7 @@
             <a:r>
               <a:rPr kumimoji="1" lang="ja-JP" altLang="en-US" b="1" dirty="0">
                 <a:solidFill>
-                  <a:srgbClr val="056334"/>
+                  <a:srgbClr val="004080"/>
                 </a:solidFill>
                 <a:latin typeface="HGS行書体" panose="03000600000000000000" pitchFamily="66" charset="-128"/>
                 <a:ea typeface="HGS行書体" panose="03000600000000000000" pitchFamily="66" charset="-128"/>
@@ -6817,42 +6875,6 @@
           </a:p>
         </p:txBody>
       </p:sp>
-      <p:pic>
-        <p:nvPicPr>
-          <p:cNvPr id="6" name="図 5" descr="ロゴ&#10;&#10;自動的に生成された説明">
-            <a:extLst>
-              <a:ext uri="{FF2B5EF4-FFF2-40B4-BE49-F238E27FC236}">
-                <a16:creationId xmlns:a16="http://schemas.microsoft.com/office/drawing/2014/main" id="{85836D15-C73A-688D-0D9C-2252DCA1C984}"/>
-              </a:ext>
-            </a:extLst>
-          </p:cNvPr>
-          <p:cNvPicPr>
-            <a:picLocks noChangeAspect="1"/>
-          </p:cNvPicPr>
-          <p:nvPr/>
-        </p:nvPicPr>
-        <p:blipFill>
-          <a:blip r:embed="rId2">
-            <a:extLst>
-              <a:ext uri="{28A0092B-C50C-407E-A947-70E740481C1C}">
-                <a14:useLocalDpi xmlns:a14="http://schemas.microsoft.com/office/drawing/2010/main" val="0"/>
-              </a:ext>
-            </a:extLst>
-          </a:blip>
-          <a:stretch>
-            <a:fillRect/>
-          </a:stretch>
-        </p:blipFill>
-        <p:spPr>
-          <a:xfrm>
-            <a:off x="10270436" y="5919485"/>
-            <a:ext cx="1081500" cy="504700"/>
-          </a:xfrm>
-          <a:prstGeom prst="rect">
-            <a:avLst/>
-          </a:prstGeom>
-        </p:spPr>
-      </p:pic>
       <p:sp>
         <p:nvSpPr>
           <p:cNvPr id="7" name="コンテンツ プレースホルダー 2">
@@ -7084,7 +7106,7 @@
           <p:nvPr/>
         </p:nvPicPr>
         <p:blipFill>
-          <a:blip r:embed="rId3">
+          <a:blip r:embed="rId2">
             <a:extLst>
               <a:ext uri="{28A0092B-C50C-407E-A947-70E740481C1C}">
                 <a14:useLocalDpi xmlns:a14="http://schemas.microsoft.com/office/drawing/2010/main" val="0"/>
@@ -7098,7 +7120,7 @@
         </p:blipFill>
         <p:spPr bwMode="auto">
           <a:xfrm flipH="1">
-            <a:off x="1063507" y="629703"/>
+            <a:off x="1063507" y="679578"/>
             <a:ext cx="1525046" cy="1640080"/>
           </a:xfrm>
           <a:prstGeom prst="rect">
@@ -7114,6 +7136,42 @@
               </a14:hiddenFill>
             </a:ext>
           </a:extLst>
+        </p:spPr>
+      </p:pic>
+      <p:pic>
+        <p:nvPicPr>
+          <p:cNvPr id="9" name="図 8" descr="ロゴ&#10;&#10;自動的に生成された説明">
+            <a:extLst>
+              <a:ext uri="{FF2B5EF4-FFF2-40B4-BE49-F238E27FC236}">
+                <a16:creationId xmlns:a16="http://schemas.microsoft.com/office/drawing/2014/main" id="{E53DEB30-3A19-A465-0929-5CC1C97CF024}"/>
+              </a:ext>
+            </a:extLst>
+          </p:cNvPr>
+          <p:cNvPicPr>
+            <a:picLocks noChangeAspect="1"/>
+          </p:cNvPicPr>
+          <p:nvPr/>
+        </p:nvPicPr>
+        <p:blipFill>
+          <a:blip r:embed="rId3">
+            <a:extLst>
+              <a:ext uri="{28A0092B-C50C-407E-A947-70E740481C1C}">
+                <a14:useLocalDpi xmlns:a14="http://schemas.microsoft.com/office/drawing/2010/main" val="0"/>
+              </a:ext>
+            </a:extLst>
+          </a:blip>
+          <a:stretch>
+            <a:fillRect/>
+          </a:stretch>
+        </p:blipFill>
+        <p:spPr>
+          <a:xfrm>
+            <a:off x="10221490" y="5889093"/>
+            <a:ext cx="1081500" cy="504700"/>
+          </a:xfrm>
+          <a:prstGeom prst="rect">
+            <a:avLst/>
+          </a:prstGeom>
         </p:spPr>
       </p:pic>
     </p:spTree>
@@ -7228,7 +7286,7 @@
             <a:r>
               <a:rPr kumimoji="1" lang="ja-JP" altLang="en-US" b="1" dirty="0">
                 <a:solidFill>
-                  <a:srgbClr val="056334"/>
+                  <a:srgbClr val="004080"/>
                 </a:solidFill>
                 <a:latin typeface="HGS行書体" panose="03000600000000000000" pitchFamily="66" charset="-128"/>
                 <a:ea typeface="HGS行書体" panose="03000600000000000000" pitchFamily="66" charset="-128"/>
@@ -7385,42 +7443,6 @@
           </a:p>
         </p:txBody>
       </p:sp>
-      <p:pic>
-        <p:nvPicPr>
-          <p:cNvPr id="6" name="図 5" descr="ロゴ&#10;&#10;自動的に生成された説明">
-            <a:extLst>
-              <a:ext uri="{FF2B5EF4-FFF2-40B4-BE49-F238E27FC236}">
-                <a16:creationId xmlns:a16="http://schemas.microsoft.com/office/drawing/2014/main" id="{85836D15-C73A-688D-0D9C-2252DCA1C984}"/>
-              </a:ext>
-            </a:extLst>
-          </p:cNvPr>
-          <p:cNvPicPr>
-            <a:picLocks noChangeAspect="1"/>
-          </p:cNvPicPr>
-          <p:nvPr/>
-        </p:nvPicPr>
-        <p:blipFill>
-          <a:blip r:embed="rId2">
-            <a:extLst>
-              <a:ext uri="{28A0092B-C50C-407E-A947-70E740481C1C}">
-                <a14:useLocalDpi xmlns:a14="http://schemas.microsoft.com/office/drawing/2010/main" val="0"/>
-              </a:ext>
-            </a:extLst>
-          </a:blip>
-          <a:stretch>
-            <a:fillRect/>
-          </a:stretch>
-        </p:blipFill>
-        <p:spPr>
-          <a:xfrm>
-            <a:off x="10270436" y="5919485"/>
-            <a:ext cx="1081500" cy="504700"/>
-          </a:xfrm>
-          <a:prstGeom prst="rect">
-            <a:avLst/>
-          </a:prstGeom>
-        </p:spPr>
-      </p:pic>
       <p:sp>
         <p:nvSpPr>
           <p:cNvPr id="7" name="コンテンツ プレースホルダー 2">
@@ -7652,7 +7674,7 @@
           <p:nvPr/>
         </p:nvPicPr>
         <p:blipFill>
-          <a:blip r:embed="rId3">
+          <a:blip r:embed="rId2">
             <a:extLst>
               <a:ext uri="{28A0092B-C50C-407E-A947-70E740481C1C}">
                 <a14:useLocalDpi xmlns:a14="http://schemas.microsoft.com/office/drawing/2010/main" val="0"/>
@@ -7682,6 +7704,42 @@
               </a14:hiddenFill>
             </a:ext>
           </a:extLst>
+        </p:spPr>
+      </p:pic>
+      <p:pic>
+        <p:nvPicPr>
+          <p:cNvPr id="9" name="図 8" descr="ロゴ&#10;&#10;自動的に生成された説明">
+            <a:extLst>
+              <a:ext uri="{FF2B5EF4-FFF2-40B4-BE49-F238E27FC236}">
+                <a16:creationId xmlns:a16="http://schemas.microsoft.com/office/drawing/2014/main" id="{568CC74D-B72B-7991-9432-A181ED9C8F57}"/>
+              </a:ext>
+            </a:extLst>
+          </p:cNvPr>
+          <p:cNvPicPr>
+            <a:picLocks noChangeAspect="1"/>
+          </p:cNvPicPr>
+          <p:nvPr/>
+        </p:nvPicPr>
+        <p:blipFill>
+          <a:blip r:embed="rId3">
+            <a:extLst>
+              <a:ext uri="{28A0092B-C50C-407E-A947-70E740481C1C}">
+                <a14:useLocalDpi xmlns:a14="http://schemas.microsoft.com/office/drawing/2010/main" val="0"/>
+              </a:ext>
+            </a:extLst>
+          </a:blip>
+          <a:stretch>
+            <a:fillRect/>
+          </a:stretch>
+        </p:blipFill>
+        <p:spPr>
+          <a:xfrm>
+            <a:off x="10221490" y="5889093"/>
+            <a:ext cx="1081500" cy="504700"/>
+          </a:xfrm>
+          <a:prstGeom prst="rect">
+            <a:avLst/>
+          </a:prstGeom>
         </p:spPr>
       </p:pic>
     </p:spTree>
@@ -7796,7 +7854,7 @@
             <a:r>
               <a:rPr lang="ja-JP" altLang="en-US" b="1" dirty="0">
                 <a:solidFill>
-                  <a:srgbClr val="056334"/>
+                  <a:srgbClr val="004080"/>
                 </a:solidFill>
                 <a:latin typeface="HGS行書体" panose="03000600000000000000" pitchFamily="66" charset="-128"/>
                 <a:ea typeface="HGS行書体" panose="03000600000000000000" pitchFamily="66" charset="-128"/>
@@ -7806,7 +7864,7 @@
             <a:r>
               <a:rPr lang="en-US" altLang="ja-JP" b="1" dirty="0">
                 <a:solidFill>
-                  <a:srgbClr val="056334"/>
+                  <a:srgbClr val="004080"/>
                 </a:solidFill>
                 <a:latin typeface="HGS行書体" panose="03000600000000000000" pitchFamily="66" charset="-128"/>
                 <a:ea typeface="HGS行書体" panose="03000600000000000000" pitchFamily="66" charset="-128"/>
@@ -7816,7 +7874,7 @@
             <a:r>
               <a:rPr lang="ja-JP" altLang="en-US" b="1" dirty="0">
                 <a:solidFill>
-                  <a:srgbClr val="056334"/>
+                  <a:srgbClr val="004080"/>
                 </a:solidFill>
                 <a:latin typeface="HGS行書体" panose="03000600000000000000" pitchFamily="66" charset="-128"/>
                 <a:ea typeface="HGS行書体" panose="03000600000000000000" pitchFamily="66" charset="-128"/>
@@ -7825,7 +7883,7 @@
             </a:r>
             <a:endParaRPr kumimoji="1" lang="ja-JP" altLang="en-US" b="1" dirty="0">
               <a:solidFill>
-                <a:srgbClr val="056334"/>
+                <a:srgbClr val="004080"/>
               </a:solidFill>
               <a:latin typeface="HGS行書体" panose="03000600000000000000" pitchFamily="66" charset="-128"/>
               <a:ea typeface="HGS行書体" panose="03000600000000000000" pitchFamily="66" charset="-128"/>
@@ -7922,42 +7980,6 @@
           </a:p>
         </p:txBody>
       </p:sp>
-      <p:pic>
-        <p:nvPicPr>
-          <p:cNvPr id="6" name="図 5" descr="ロゴ&#10;&#10;自動的に生成された説明">
-            <a:extLst>
-              <a:ext uri="{FF2B5EF4-FFF2-40B4-BE49-F238E27FC236}">
-                <a16:creationId xmlns:a16="http://schemas.microsoft.com/office/drawing/2014/main" id="{85836D15-C73A-688D-0D9C-2252DCA1C984}"/>
-              </a:ext>
-            </a:extLst>
-          </p:cNvPr>
-          <p:cNvPicPr>
-            <a:picLocks noChangeAspect="1"/>
-          </p:cNvPicPr>
-          <p:nvPr/>
-        </p:nvPicPr>
-        <p:blipFill>
-          <a:blip r:embed="rId3">
-            <a:extLst>
-              <a:ext uri="{28A0092B-C50C-407E-A947-70E740481C1C}">
-                <a14:useLocalDpi xmlns:a14="http://schemas.microsoft.com/office/drawing/2010/main" val="0"/>
-              </a:ext>
-            </a:extLst>
-          </a:blip>
-          <a:stretch>
-            <a:fillRect/>
-          </a:stretch>
-        </p:blipFill>
-        <p:spPr>
-          <a:xfrm>
-            <a:off x="10270436" y="5919485"/>
-            <a:ext cx="1081500" cy="504700"/>
-          </a:xfrm>
-          <a:prstGeom prst="rect">
-            <a:avLst/>
-          </a:prstGeom>
-        </p:spPr>
-      </p:pic>
       <p:sp>
         <p:nvSpPr>
           <p:cNvPr id="7" name="コンテンツ プレースホルダー 2">
@@ -8189,7 +8211,7 @@
           <p:nvPr/>
         </p:nvPicPr>
         <p:blipFill>
-          <a:blip r:embed="rId4">
+          <a:blip r:embed="rId3">
             <a:extLst>
               <a:ext uri="{28A0092B-C50C-407E-A947-70E740481C1C}">
                 <a14:useLocalDpi xmlns:a14="http://schemas.microsoft.com/office/drawing/2010/main" val="0"/>
@@ -8219,6 +8241,42 @@
               </a14:hiddenFill>
             </a:ext>
           </a:extLst>
+        </p:spPr>
+      </p:pic>
+      <p:pic>
+        <p:nvPicPr>
+          <p:cNvPr id="9" name="図 8" descr="ロゴ&#10;&#10;自動的に生成された説明">
+            <a:extLst>
+              <a:ext uri="{FF2B5EF4-FFF2-40B4-BE49-F238E27FC236}">
+                <a16:creationId xmlns:a16="http://schemas.microsoft.com/office/drawing/2014/main" id="{A595986F-85AF-1D53-94DC-E5F4AE99543C}"/>
+              </a:ext>
+            </a:extLst>
+          </p:cNvPr>
+          <p:cNvPicPr>
+            <a:picLocks noChangeAspect="1"/>
+          </p:cNvPicPr>
+          <p:nvPr/>
+        </p:nvPicPr>
+        <p:blipFill>
+          <a:blip r:embed="rId4">
+            <a:extLst>
+              <a:ext uri="{28A0092B-C50C-407E-A947-70E740481C1C}">
+                <a14:useLocalDpi xmlns:a14="http://schemas.microsoft.com/office/drawing/2010/main" val="0"/>
+              </a:ext>
+            </a:extLst>
+          </a:blip>
+          <a:stretch>
+            <a:fillRect/>
+          </a:stretch>
+        </p:blipFill>
+        <p:spPr>
+          <a:xfrm>
+            <a:off x="10221490" y="5889093"/>
+            <a:ext cx="1081500" cy="504700"/>
+          </a:xfrm>
+          <a:prstGeom prst="rect">
+            <a:avLst/>
+          </a:prstGeom>
         </p:spPr>
       </p:pic>
     </p:spTree>
@@ -9190,7 +9248,7 @@
             <a:r>
               <a:rPr lang="ja-JP" altLang="en-US" sz="4400" dirty="0">
                 <a:solidFill>
-                  <a:srgbClr val="056334"/>
+                  <a:srgbClr val="004080"/>
                 </a:solidFill>
                 <a:latin typeface="HGS行書体" panose="03000600000000000000" pitchFamily="66" charset="-128"/>
                 <a:ea typeface="HGS行書体" panose="03000600000000000000" pitchFamily="66" charset="-128"/>
@@ -9200,7 +9258,7 @@
             <a:br>
               <a:rPr lang="en-US" altLang="ja-JP" sz="4400" dirty="0">
                 <a:solidFill>
-                  <a:srgbClr val="056334"/>
+                  <a:srgbClr val="004080"/>
                 </a:solidFill>
                 <a:latin typeface="HGS行書体" panose="03000600000000000000" pitchFamily="66" charset="-128"/>
                 <a:ea typeface="HGS行書体" panose="03000600000000000000" pitchFamily="66" charset="-128"/>
@@ -9209,7 +9267,7 @@
             <a:r>
               <a:rPr lang="ja-JP" altLang="en-US" sz="4400" dirty="0">
                 <a:solidFill>
-                  <a:srgbClr val="056334"/>
+                  <a:srgbClr val="004080"/>
                 </a:solidFill>
                 <a:latin typeface="HGS行書体" panose="03000600000000000000" pitchFamily="66" charset="-128"/>
                 <a:ea typeface="HGS行書体" panose="03000600000000000000" pitchFamily="66" charset="-128"/>
@@ -9219,42 +9277,6 @@
           </a:p>
         </p:txBody>
       </p:sp>
-      <p:pic>
-        <p:nvPicPr>
-          <p:cNvPr id="38" name="図 37" descr="ロゴ&#10;&#10;自動的に生成された説明">
-            <a:extLst>
-              <a:ext uri="{FF2B5EF4-FFF2-40B4-BE49-F238E27FC236}">
-                <a16:creationId xmlns:a16="http://schemas.microsoft.com/office/drawing/2014/main" id="{C20B676E-3BE3-326E-FBC8-91CDDF223F8D}"/>
-              </a:ext>
-            </a:extLst>
-          </p:cNvPr>
-          <p:cNvPicPr>
-            <a:picLocks noChangeAspect="1"/>
-          </p:cNvPicPr>
-          <p:nvPr/>
-        </p:nvPicPr>
-        <p:blipFill>
-          <a:blip r:embed="rId4">
-            <a:extLst>
-              <a:ext uri="{28A0092B-C50C-407E-A947-70E740481C1C}">
-                <a14:useLocalDpi xmlns:a14="http://schemas.microsoft.com/office/drawing/2010/main" val="0"/>
-              </a:ext>
-            </a:extLst>
-          </a:blip>
-          <a:stretch>
-            <a:fillRect/>
-          </a:stretch>
-        </p:blipFill>
-        <p:spPr>
-          <a:xfrm>
-            <a:off x="10270436" y="5919485"/>
-            <a:ext cx="1081500" cy="504700"/>
-          </a:xfrm>
-          <a:prstGeom prst="rect">
-            <a:avLst/>
-          </a:prstGeom>
-        </p:spPr>
-      </p:pic>
       <p:pic>
         <p:nvPicPr>
           <p:cNvPr id="7" name="Picture 20">
@@ -9270,7 +9292,7 @@
           <p:nvPr/>
         </p:nvPicPr>
         <p:blipFill>
-          <a:blip r:embed="rId5">
+          <a:blip r:embed="rId4">
             <a:extLst>
               <a:ext uri="{28A0092B-C50C-407E-A947-70E740481C1C}">
                 <a14:useLocalDpi xmlns:a14="http://schemas.microsoft.com/office/drawing/2010/main" val="0"/>
@@ -9317,7 +9339,7 @@
           <p:nvPr/>
         </p:nvPicPr>
         <p:blipFill>
-          <a:blip r:embed="rId6">
+          <a:blip r:embed="rId5">
             <a:extLst>
               <a:ext uri="{28A0092B-C50C-407E-A947-70E740481C1C}">
                 <a14:useLocalDpi xmlns:a14="http://schemas.microsoft.com/office/drawing/2010/main" val="0"/>
@@ -9384,7 +9406,7 @@
             <p:nvPr/>
           </p:nvPicPr>
           <p:blipFill>
-            <a:blip r:embed="rId7">
+            <a:blip r:embed="rId6">
               <a:extLst>
                 <a:ext uri="{28A0092B-C50C-407E-A947-70E740481C1C}">
                   <a14:useLocalDpi xmlns:a14="http://schemas.microsoft.com/office/drawing/2010/main" val="0"/>
@@ -9431,7 +9453,7 @@
             <p:nvPr/>
           </p:nvPicPr>
           <p:blipFill>
-            <a:blip r:embed="rId8">
+            <a:blip r:embed="rId7">
               <a:extLst>
                 <a:ext uri="{28A0092B-C50C-407E-A947-70E740481C1C}">
                   <a14:useLocalDpi xmlns:a14="http://schemas.microsoft.com/office/drawing/2010/main" val="0"/>
@@ -9499,7 +9521,7 @@
             <p:nvPr/>
           </p:nvPicPr>
           <p:blipFill>
-            <a:blip r:embed="rId9">
+            <a:blip r:embed="rId8">
               <a:extLst>
                 <a:ext uri="{28A0092B-C50C-407E-A947-70E740481C1C}">
                   <a14:useLocalDpi xmlns:a14="http://schemas.microsoft.com/office/drawing/2010/main" val="0"/>
@@ -9546,7 +9568,7 @@
             <p:nvPr/>
           </p:nvPicPr>
           <p:blipFill>
-            <a:blip r:embed="rId10">
+            <a:blip r:embed="rId9">
               <a:extLst>
                 <a:ext uri="{28A0092B-C50C-407E-A947-70E740481C1C}">
                   <a14:useLocalDpi xmlns:a14="http://schemas.microsoft.com/office/drawing/2010/main" val="0"/>
@@ -9594,7 +9616,7 @@
           <p:nvPr/>
         </p:nvPicPr>
         <p:blipFill>
-          <a:blip r:embed="rId11">
+          <a:blip r:embed="rId10">
             <a:extLst>
               <a:ext uri="{28A0092B-C50C-407E-A947-70E740481C1C}">
                 <a14:useLocalDpi xmlns:a14="http://schemas.microsoft.com/office/drawing/2010/main" val="0"/>
@@ -9641,7 +9663,7 @@
           <p:nvPr/>
         </p:nvPicPr>
         <p:blipFill>
-          <a:blip r:embed="rId12">
+          <a:blip r:embed="rId11">
             <a:extLst>
               <a:ext uri="{28A0092B-C50C-407E-A947-70E740481C1C}">
                 <a14:useLocalDpi xmlns:a14="http://schemas.microsoft.com/office/drawing/2010/main" val="0"/>
@@ -9671,6 +9693,42 @@
               </a14:hiddenFill>
             </a:ext>
           </a:extLst>
+        </p:spPr>
+      </p:pic>
+      <p:pic>
+        <p:nvPicPr>
+          <p:cNvPr id="17" name="図 16" descr="ロゴ&#10;&#10;自動的に生成された説明">
+            <a:extLst>
+              <a:ext uri="{FF2B5EF4-FFF2-40B4-BE49-F238E27FC236}">
+                <a16:creationId xmlns:a16="http://schemas.microsoft.com/office/drawing/2014/main" id="{7CBCE206-1B07-FB05-DC8A-1AA9B782EFF6}"/>
+              </a:ext>
+            </a:extLst>
+          </p:cNvPr>
+          <p:cNvPicPr>
+            <a:picLocks noChangeAspect="1"/>
+          </p:cNvPicPr>
+          <p:nvPr/>
+        </p:nvPicPr>
+        <p:blipFill>
+          <a:blip r:embed="rId12">
+            <a:extLst>
+              <a:ext uri="{28A0092B-C50C-407E-A947-70E740481C1C}">
+                <a14:useLocalDpi xmlns:a14="http://schemas.microsoft.com/office/drawing/2010/main" val="0"/>
+              </a:ext>
+            </a:extLst>
+          </a:blip>
+          <a:stretch>
+            <a:fillRect/>
+          </a:stretch>
+        </p:blipFill>
+        <p:spPr>
+          <a:xfrm>
+            <a:off x="10221490" y="5889093"/>
+            <a:ext cx="1081500" cy="504700"/>
+          </a:xfrm>
+          <a:prstGeom prst="rect">
+            <a:avLst/>
+          </a:prstGeom>
         </p:spPr>
       </p:pic>
     </p:spTree>
@@ -9784,7 +9842,7 @@
             <a:r>
               <a:rPr kumimoji="1" lang="ja-JP" altLang="en-US" b="1" dirty="0">
                 <a:solidFill>
-                  <a:srgbClr val="056334"/>
+                  <a:srgbClr val="5F9EA0"/>
                 </a:solidFill>
                 <a:latin typeface="HGS行書体" panose="03000600000000000000" pitchFamily="66" charset="-128"/>
                 <a:ea typeface="HGS行書体" panose="03000600000000000000" pitchFamily="66" charset="-128"/>
@@ -10116,10 +10174,10 @@
       </p:sp>
       <p:pic>
         <p:nvPicPr>
-          <p:cNvPr id="6" name="図 5" descr="ロゴ&#10;&#10;自動的に生成された説明">
-            <a:extLst>
-              <a:ext uri="{FF2B5EF4-FFF2-40B4-BE49-F238E27FC236}">
-                <a16:creationId xmlns:a16="http://schemas.microsoft.com/office/drawing/2014/main" id="{96AC6360-9E67-8475-7F0C-554CE6D51326}"/>
+          <p:cNvPr id="8" name="図 7" descr="ロゴ&#10;&#10;自動的に生成された説明">
+            <a:extLst>
+              <a:ext uri="{FF2B5EF4-FFF2-40B4-BE49-F238E27FC236}">
+                <a16:creationId xmlns:a16="http://schemas.microsoft.com/office/drawing/2014/main" id="{46179006-7E35-5585-3E2B-D0FBE602FD1F}"/>
               </a:ext>
             </a:extLst>
           </p:cNvPr>
@@ -10142,8 +10200,8 @@
         </p:blipFill>
         <p:spPr>
           <a:xfrm>
-            <a:off x="3876260" y="530364"/>
-            <a:ext cx="2286000" cy="1066800"/>
+            <a:off x="3816883" y="532433"/>
+            <a:ext cx="2285863" cy="1066736"/>
           </a:xfrm>
           <a:prstGeom prst="rect">
             <a:avLst/>
@@ -10261,7 +10319,7 @@
             <a:r>
               <a:rPr lang="ja-JP" altLang="en-US" b="1" dirty="0">
                 <a:solidFill>
-                  <a:srgbClr val="056334"/>
+                  <a:srgbClr val="5F9EA0"/>
                 </a:solidFill>
                 <a:latin typeface="HGS行書体" panose="03000600000000000000" pitchFamily="66" charset="-128"/>
                 <a:ea typeface="HGS行書体" panose="03000600000000000000" pitchFamily="66" charset="-128"/>
@@ -10270,7 +10328,7 @@
             </a:r>
             <a:endParaRPr kumimoji="1" lang="ja-JP" altLang="en-US" b="1" dirty="0">
               <a:solidFill>
-                <a:srgbClr val="056334"/>
+                <a:srgbClr val="5F9EA0"/>
               </a:solidFill>
               <a:latin typeface="HGS行書体" panose="03000600000000000000" pitchFamily="66" charset="-128"/>
               <a:ea typeface="HGS行書体" panose="03000600000000000000" pitchFamily="66" charset="-128"/>
@@ -10493,10 +10551,10 @@
       </p:sp>
       <p:pic>
         <p:nvPicPr>
-          <p:cNvPr id="5" name="図 4" descr="ロゴ&#10;&#10;自動的に生成された説明">
-            <a:extLst>
-              <a:ext uri="{FF2B5EF4-FFF2-40B4-BE49-F238E27FC236}">
-                <a16:creationId xmlns:a16="http://schemas.microsoft.com/office/drawing/2014/main" id="{EE35DA0B-7B4F-B9BD-8364-AAD79E2DFCA6}"/>
+          <p:cNvPr id="7" name="図 6" descr="軟体動物, 動物, 座る, テーブル が含まれている画像&#10;&#10;自動的に生成された説明">
+            <a:extLst>
+              <a:ext uri="{FF2B5EF4-FFF2-40B4-BE49-F238E27FC236}">
+                <a16:creationId xmlns:a16="http://schemas.microsoft.com/office/drawing/2014/main" id="{1F61ADC1-0A3F-2EB6-AA4D-BEBE3D794F01}"/>
               </a:ext>
             </a:extLst>
           </p:cNvPr>
@@ -10507,42 +10565,6 @@
         </p:nvPicPr>
         <p:blipFill>
           <a:blip r:embed="rId2">
-            <a:extLst>
-              <a:ext uri="{28A0092B-C50C-407E-A947-70E740481C1C}">
-                <a14:useLocalDpi xmlns:a14="http://schemas.microsoft.com/office/drawing/2010/main" val="0"/>
-              </a:ext>
-            </a:extLst>
-          </a:blip>
-          <a:stretch>
-            <a:fillRect/>
-          </a:stretch>
-        </p:blipFill>
-        <p:spPr>
-          <a:xfrm>
-            <a:off x="3411471" y="520148"/>
-            <a:ext cx="2286000" cy="1066800"/>
-          </a:xfrm>
-          <a:prstGeom prst="rect">
-            <a:avLst/>
-          </a:prstGeom>
-        </p:spPr>
-      </p:pic>
-      <p:pic>
-        <p:nvPicPr>
-          <p:cNvPr id="7" name="図 6" descr="軟体動物, 動物, 座る, テーブル が含まれている画像&#10;&#10;自動的に生成された説明">
-            <a:extLst>
-              <a:ext uri="{FF2B5EF4-FFF2-40B4-BE49-F238E27FC236}">
-                <a16:creationId xmlns:a16="http://schemas.microsoft.com/office/drawing/2014/main" id="{1F61ADC1-0A3F-2EB6-AA4D-BEBE3D794F01}"/>
-              </a:ext>
-            </a:extLst>
-          </p:cNvPr>
-          <p:cNvPicPr>
-            <a:picLocks noChangeAspect="1"/>
-          </p:cNvPicPr>
-          <p:nvPr/>
-        </p:nvPicPr>
-        <p:blipFill>
-          <a:blip r:embed="rId3">
             <a:extLst>
               <a:ext uri="{28A0092B-C50C-407E-A947-70E740481C1C}">
                 <a14:useLocalDpi xmlns:a14="http://schemas.microsoft.com/office/drawing/2010/main" val="0"/>
@@ -10578,7 +10600,7 @@
           <p:nvPr/>
         </p:nvPicPr>
         <p:blipFill>
-          <a:blip r:embed="rId4">
+          <a:blip r:embed="rId3">
             <a:extLst>
               <a:ext uri="{28A0092B-C50C-407E-A947-70E740481C1C}">
                 <a14:useLocalDpi xmlns:a14="http://schemas.microsoft.com/office/drawing/2010/main" val="0"/>
@@ -10625,7 +10647,7 @@
           <p:nvPr/>
         </p:nvPicPr>
         <p:blipFill>
-          <a:blip r:embed="rId5">
+          <a:blip r:embed="rId4">
             <a:extLst>
               <a:ext uri="{28A0092B-C50C-407E-A947-70E740481C1C}">
                 <a14:useLocalDpi xmlns:a14="http://schemas.microsoft.com/office/drawing/2010/main" val="0"/>
@@ -10640,6 +10662,42 @@
           <a:xfrm>
             <a:off x="10142948" y="831124"/>
             <a:ext cx="602273" cy="607259"/>
+          </a:xfrm>
+          <a:prstGeom prst="rect">
+            <a:avLst/>
+          </a:prstGeom>
+        </p:spPr>
+      </p:pic>
+      <p:pic>
+        <p:nvPicPr>
+          <p:cNvPr id="10" name="図 9" descr="ロゴ&#10;&#10;自動的に生成された説明">
+            <a:extLst>
+              <a:ext uri="{FF2B5EF4-FFF2-40B4-BE49-F238E27FC236}">
+                <a16:creationId xmlns:a16="http://schemas.microsoft.com/office/drawing/2014/main" id="{9C705695-8D1C-EBC1-DEB3-81C0DD6A2D19}"/>
+              </a:ext>
+            </a:extLst>
+          </p:cNvPr>
+          <p:cNvPicPr>
+            <a:picLocks noChangeAspect="1"/>
+          </p:cNvPicPr>
+          <p:nvPr/>
+        </p:nvPicPr>
+        <p:blipFill>
+          <a:blip r:embed="rId5">
+            <a:extLst>
+              <a:ext uri="{28A0092B-C50C-407E-A947-70E740481C1C}">
+                <a14:useLocalDpi xmlns:a14="http://schemas.microsoft.com/office/drawing/2010/main" val="0"/>
+              </a:ext>
+            </a:extLst>
+          </a:blip>
+          <a:stretch>
+            <a:fillRect/>
+          </a:stretch>
+        </p:blipFill>
+        <p:spPr>
+          <a:xfrm>
+            <a:off x="3387595" y="520148"/>
+            <a:ext cx="2285863" cy="1066736"/>
           </a:xfrm>
           <a:prstGeom prst="rect">
             <a:avLst/>
@@ -10690,7 +10748,7 @@
         </p:nvSpPr>
         <p:spPr>
           <a:xfrm>
-            <a:off x="591046" y="36155"/>
+            <a:off x="685621" y="235659"/>
             <a:ext cx="10827026" cy="6255026"/>
           </a:xfrm>
           <a:prstGeom prst="rect">
@@ -10728,42 +10786,6 @@
           </a:p>
         </p:txBody>
       </p:sp>
-      <p:pic>
-        <p:nvPicPr>
-          <p:cNvPr id="4" name="図 3" descr="ロゴ&#10;&#10;自動的に生成された説明">
-            <a:extLst>
-              <a:ext uri="{FF2B5EF4-FFF2-40B4-BE49-F238E27FC236}">
-                <a16:creationId xmlns:a16="http://schemas.microsoft.com/office/drawing/2014/main" id="{AB8FD864-4218-2AC9-436E-F99469FAC147}"/>
-              </a:ext>
-            </a:extLst>
-          </p:cNvPr>
-          <p:cNvPicPr>
-            <a:picLocks noChangeAspect="1"/>
-          </p:cNvPicPr>
-          <p:nvPr/>
-        </p:nvPicPr>
-        <p:blipFill>
-          <a:blip r:embed="rId2">
-            <a:extLst>
-              <a:ext uri="{28A0092B-C50C-407E-A947-70E740481C1C}">
-                <a14:useLocalDpi xmlns:a14="http://schemas.microsoft.com/office/drawing/2010/main" val="0"/>
-              </a:ext>
-            </a:extLst>
-          </a:blip>
-          <a:stretch>
-            <a:fillRect/>
-          </a:stretch>
-        </p:blipFill>
-        <p:spPr>
-          <a:xfrm>
-            <a:off x="10270436" y="5919485"/>
-            <a:ext cx="1081500" cy="504700"/>
-          </a:xfrm>
-          <a:prstGeom prst="rect">
-            <a:avLst/>
-          </a:prstGeom>
-        </p:spPr>
-      </p:pic>
       <p:grpSp>
         <p:nvGrpSpPr>
           <p:cNvPr id="20" name="グループ化 19">
@@ -10799,7 +10821,7 @@
             <p:nvPr/>
           </p:nvPicPr>
           <p:blipFill>
-            <a:blip r:embed="rId3">
+            <a:blip r:embed="rId2">
               <a:duotone>
                 <a:prstClr val="black"/>
                 <a:srgbClr val="FF0000">
@@ -11133,15 +11155,24 @@
           <a:lstStyle/>
           <a:p>
             <a:r>
-              <a:rPr lang="en-US" altLang="ja-JP" sz="3200" b="1" dirty="0"/>
+              <a:rPr lang="en-US" altLang="ja-JP" sz="3200" b="1" dirty="0">
+                <a:latin typeface="BIZ UDP明朝 Medium" panose="02020500000000000000" pitchFamily="18" charset="-128"/>
+                <a:ea typeface="BIZ UDP明朝 Medium" panose="02020500000000000000" pitchFamily="18" charset="-128"/>
+              </a:rPr>
               <a:t>‐</a:t>
             </a:r>
             <a:r>
-              <a:rPr kumimoji="1" lang="ja-JP" altLang="en-US" sz="3200" b="1" dirty="0"/>
+              <a:rPr kumimoji="1" lang="ja-JP" altLang="en-US" sz="3200" b="1" dirty="0">
+                <a:latin typeface="BIZ UDP明朝 Medium" panose="02020500000000000000" pitchFamily="18" charset="-128"/>
+                <a:ea typeface="BIZ UDP明朝 Medium" panose="02020500000000000000" pitchFamily="18" charset="-128"/>
+              </a:rPr>
               <a:t>ユーザー関連</a:t>
             </a:r>
             <a:r>
-              <a:rPr kumimoji="1" lang="en-US" altLang="ja-JP" sz="3200" b="1" dirty="0"/>
+              <a:rPr kumimoji="1" lang="en-US" altLang="ja-JP" sz="3200" b="1" dirty="0">
+                <a:latin typeface="BIZ UDP明朝 Medium" panose="02020500000000000000" pitchFamily="18" charset="-128"/>
+                <a:ea typeface="BIZ UDP明朝 Medium" panose="02020500000000000000" pitchFamily="18" charset="-128"/>
+              </a:rPr>
               <a:t>‐</a:t>
             </a:r>
           </a:p>
@@ -11150,7 +11181,10 @@
               <a:buFont typeface="Arial" panose="020B0604020202020204" pitchFamily="34" charset="0"/>
               <a:buChar char="•"/>
             </a:pPr>
-            <a:endParaRPr kumimoji="1" lang="en-US" altLang="ja-JP" sz="3200" dirty="0"/>
+            <a:endParaRPr kumimoji="1" lang="en-US" altLang="ja-JP" sz="3200" dirty="0">
+              <a:latin typeface="BIZ UDP明朝 Medium" panose="02020500000000000000" pitchFamily="18" charset="-128"/>
+              <a:ea typeface="BIZ UDP明朝 Medium" panose="02020500000000000000" pitchFamily="18" charset="-128"/>
+            </a:endParaRPr>
           </a:p>
           <a:p>
             <a:pPr marL="285750" indent="-285750">
@@ -11158,10 +11192,16 @@
               <a:buChar char="•"/>
             </a:pPr>
             <a:r>
-              <a:rPr kumimoji="1" lang="ja-JP" altLang="en-US" sz="3200" dirty="0"/>
+              <a:rPr kumimoji="1" lang="ja-JP" altLang="en-US" sz="3200" dirty="0">
+                <a:latin typeface="BIZ UDP明朝 Medium" panose="02020500000000000000" pitchFamily="18" charset="-128"/>
+                <a:ea typeface="BIZ UDP明朝 Medium" panose="02020500000000000000" pitchFamily="18" charset="-128"/>
+              </a:rPr>
               <a:t>トップページ</a:t>
             </a:r>
-            <a:endParaRPr kumimoji="1" lang="en-US" altLang="ja-JP" sz="3200" dirty="0"/>
+            <a:endParaRPr kumimoji="1" lang="en-US" altLang="ja-JP" sz="3200" dirty="0">
+              <a:latin typeface="BIZ UDP明朝 Medium" panose="02020500000000000000" pitchFamily="18" charset="-128"/>
+              <a:ea typeface="BIZ UDP明朝 Medium" panose="02020500000000000000" pitchFamily="18" charset="-128"/>
+            </a:endParaRPr>
           </a:p>
           <a:p>
             <a:pPr marL="285750" indent="-285750">
@@ -11169,10 +11209,16 @@
               <a:buChar char="•"/>
             </a:pPr>
             <a:r>
-              <a:rPr kumimoji="1" lang="ja-JP" altLang="en-US" sz="3200" dirty="0"/>
+              <a:rPr kumimoji="1" lang="ja-JP" altLang="en-US" sz="3200" dirty="0">
+                <a:latin typeface="BIZ UDP明朝 Medium" panose="02020500000000000000" pitchFamily="18" charset="-128"/>
+                <a:ea typeface="BIZ UDP明朝 Medium" panose="02020500000000000000" pitchFamily="18" charset="-128"/>
+              </a:rPr>
               <a:t>マイページ</a:t>
             </a:r>
-            <a:endParaRPr kumimoji="1" lang="en-US" altLang="ja-JP" sz="3200" dirty="0"/>
+            <a:endParaRPr kumimoji="1" lang="en-US" altLang="ja-JP" sz="3200" dirty="0">
+              <a:latin typeface="BIZ UDP明朝 Medium" panose="02020500000000000000" pitchFamily="18" charset="-128"/>
+              <a:ea typeface="BIZ UDP明朝 Medium" panose="02020500000000000000" pitchFamily="18" charset="-128"/>
+            </a:endParaRPr>
           </a:p>
           <a:p>
             <a:pPr marL="285750" indent="-285750">
@@ -11180,10 +11226,16 @@
               <a:buChar char="•"/>
             </a:pPr>
             <a:r>
-              <a:rPr kumimoji="1" lang="ja-JP" altLang="en-US" sz="3200" dirty="0"/>
+              <a:rPr kumimoji="1" lang="ja-JP" altLang="en-US" sz="3200" dirty="0">
+                <a:latin typeface="BIZ UDP明朝 Medium" panose="02020500000000000000" pitchFamily="18" charset="-128"/>
+                <a:ea typeface="BIZ UDP明朝 Medium" panose="02020500000000000000" pitchFamily="18" charset="-128"/>
+              </a:rPr>
               <a:t>フォローリスト</a:t>
             </a:r>
-            <a:endParaRPr kumimoji="1" lang="en-US" altLang="ja-JP" sz="3200" dirty="0"/>
+            <a:endParaRPr kumimoji="1" lang="en-US" altLang="ja-JP" sz="3200" dirty="0">
+              <a:latin typeface="BIZ UDP明朝 Medium" panose="02020500000000000000" pitchFamily="18" charset="-128"/>
+              <a:ea typeface="BIZ UDP明朝 Medium" panose="02020500000000000000" pitchFamily="18" charset="-128"/>
+            </a:endParaRPr>
           </a:p>
           <a:p>
             <a:pPr marL="285750" indent="-285750">
@@ -11191,7 +11243,10 @@
               <a:buChar char="•"/>
             </a:pPr>
             <a:r>
-              <a:rPr kumimoji="1" lang="ja-JP" altLang="en-US" sz="3200" dirty="0"/>
+              <a:rPr kumimoji="1" lang="ja-JP" altLang="en-US" sz="3200" dirty="0">
+                <a:latin typeface="BIZ UDP明朝 Medium" panose="02020500000000000000" pitchFamily="18" charset="-128"/>
+                <a:ea typeface="BIZ UDP明朝 Medium" panose="02020500000000000000" pitchFamily="18" charset="-128"/>
+              </a:rPr>
               <a:t>ユーザーページ</a:t>
             </a:r>
           </a:p>
@@ -11211,7 +11266,7 @@
         </p:nvSpPr>
         <p:spPr>
           <a:xfrm>
-            <a:off x="6511634" y="2495714"/>
+            <a:off x="6511634" y="2479089"/>
             <a:ext cx="4492486" cy="2554545"/>
           </a:xfrm>
           <a:prstGeom prst="rect">
@@ -11226,25 +11281,40 @@
           <a:lstStyle/>
           <a:p>
             <a:r>
-              <a:rPr lang="en-US" altLang="ja-JP" sz="3200" b="1" dirty="0"/>
+              <a:rPr lang="en-US" altLang="ja-JP" sz="3200" b="1" dirty="0">
+                <a:latin typeface="BIZ UDP明朝 Medium" panose="02020500000000000000" pitchFamily="18" charset="-128"/>
+                <a:ea typeface="BIZ UDP明朝 Medium" panose="02020500000000000000" pitchFamily="18" charset="-128"/>
+              </a:rPr>
               <a:t>‐</a:t>
             </a:r>
             <a:r>
-              <a:rPr kumimoji="1" lang="ja-JP" altLang="en-US" sz="3200" b="1" dirty="0"/>
+              <a:rPr kumimoji="1" lang="ja-JP" altLang="en-US" sz="3200" b="1" dirty="0">
+                <a:latin typeface="BIZ UDP明朝 Medium" panose="02020500000000000000" pitchFamily="18" charset="-128"/>
+                <a:ea typeface="BIZ UDP明朝 Medium" panose="02020500000000000000" pitchFamily="18" charset="-128"/>
+              </a:rPr>
               <a:t>投稿関連</a:t>
             </a:r>
             <a:r>
-              <a:rPr kumimoji="1" lang="en-US" altLang="ja-JP" sz="3200" b="1" dirty="0"/>
+              <a:rPr kumimoji="1" lang="en-US" altLang="ja-JP" sz="3200" b="1" dirty="0">
+                <a:latin typeface="BIZ UDP明朝 Medium" panose="02020500000000000000" pitchFamily="18" charset="-128"/>
+                <a:ea typeface="BIZ UDP明朝 Medium" panose="02020500000000000000" pitchFamily="18" charset="-128"/>
+              </a:rPr>
               <a:t>‐</a:t>
             </a:r>
-            <a:endParaRPr kumimoji="1" lang="en-US" altLang="ja-JP" b="1" dirty="0"/>
+            <a:endParaRPr kumimoji="1" lang="en-US" altLang="ja-JP" b="1" dirty="0">
+              <a:latin typeface="BIZ UDP明朝 Medium" panose="02020500000000000000" pitchFamily="18" charset="-128"/>
+              <a:ea typeface="BIZ UDP明朝 Medium" panose="02020500000000000000" pitchFamily="18" charset="-128"/>
+            </a:endParaRPr>
           </a:p>
           <a:p>
             <a:pPr marL="285750" indent="-285750">
               <a:buFont typeface="Arial" panose="020B0604020202020204" pitchFamily="34" charset="0"/>
               <a:buChar char="•"/>
             </a:pPr>
-            <a:endParaRPr kumimoji="1" lang="en-US" altLang="ja-JP" sz="3200" dirty="0"/>
+            <a:endParaRPr kumimoji="1" lang="en-US" altLang="ja-JP" sz="3200" dirty="0">
+              <a:latin typeface="BIZ UDP明朝 Medium" panose="02020500000000000000" pitchFamily="18" charset="-128"/>
+              <a:ea typeface="BIZ UDP明朝 Medium" panose="02020500000000000000" pitchFamily="18" charset="-128"/>
+            </a:endParaRPr>
           </a:p>
           <a:p>
             <a:pPr marL="285750" indent="-285750">
@@ -11252,10 +11322,16 @@
               <a:buChar char="•"/>
             </a:pPr>
             <a:r>
-              <a:rPr kumimoji="1" lang="ja-JP" altLang="en-US" sz="3200" dirty="0"/>
+              <a:rPr kumimoji="1" lang="ja-JP" altLang="en-US" sz="3200" dirty="0">
+                <a:latin typeface="BIZ UDP明朝 Medium" panose="02020500000000000000" pitchFamily="18" charset="-128"/>
+                <a:ea typeface="BIZ UDP明朝 Medium" panose="02020500000000000000" pitchFamily="18" charset="-128"/>
+              </a:rPr>
               <a:t>投稿数ランキング</a:t>
             </a:r>
-            <a:endParaRPr lang="en-US" altLang="ja-JP" sz="3200" dirty="0"/>
+            <a:endParaRPr lang="en-US" altLang="ja-JP" sz="3200" dirty="0">
+              <a:latin typeface="BIZ UDP明朝 Medium" panose="02020500000000000000" pitchFamily="18" charset="-128"/>
+              <a:ea typeface="BIZ UDP明朝 Medium" panose="02020500000000000000" pitchFamily="18" charset="-128"/>
+            </a:endParaRPr>
           </a:p>
           <a:p>
             <a:pPr marL="285750" indent="-285750">
@@ -11263,18 +11339,30 @@
               <a:buChar char="•"/>
             </a:pPr>
             <a:r>
-              <a:rPr kumimoji="1" lang="ja-JP" altLang="en-US" sz="3200" dirty="0"/>
+              <a:rPr kumimoji="1" lang="ja-JP" altLang="en-US" sz="3200" dirty="0">
+                <a:latin typeface="BIZ UDP明朝 Medium" panose="02020500000000000000" pitchFamily="18" charset="-128"/>
+                <a:ea typeface="BIZ UDP明朝 Medium" panose="02020500000000000000" pitchFamily="18" charset="-128"/>
+              </a:rPr>
               <a:t>検索結果</a:t>
             </a:r>
             <a:r>
-              <a:rPr kumimoji="1" lang="en-US" altLang="ja-JP" sz="3200" dirty="0"/>
+              <a:rPr kumimoji="1" lang="en-US" altLang="ja-JP" sz="3200" dirty="0">
+                <a:latin typeface="BIZ UDP明朝 Medium" panose="02020500000000000000" pitchFamily="18" charset="-128"/>
+                <a:ea typeface="BIZ UDP明朝 Medium" panose="02020500000000000000" pitchFamily="18" charset="-128"/>
+              </a:rPr>
               <a:t>/</a:t>
             </a:r>
             <a:r>
-              <a:rPr kumimoji="1" lang="ja-JP" altLang="en-US" sz="3200" dirty="0"/>
+              <a:rPr kumimoji="1" lang="ja-JP" altLang="en-US" sz="3200" dirty="0">
+                <a:latin typeface="BIZ UDP明朝 Medium" panose="02020500000000000000" pitchFamily="18" charset="-128"/>
+                <a:ea typeface="BIZ UDP明朝 Medium" panose="02020500000000000000" pitchFamily="18" charset="-128"/>
+              </a:rPr>
               <a:t>ルーレット</a:t>
             </a:r>
-            <a:endParaRPr lang="en-US" altLang="ja-JP" sz="3200" dirty="0"/>
+            <a:endParaRPr lang="en-US" altLang="ja-JP" sz="3200" dirty="0">
+              <a:latin typeface="BIZ UDP明朝 Medium" panose="02020500000000000000" pitchFamily="18" charset="-128"/>
+              <a:ea typeface="BIZ UDP明朝 Medium" panose="02020500000000000000" pitchFamily="18" charset="-128"/>
+            </a:endParaRPr>
           </a:p>
           <a:p>
             <a:pPr marL="285750" indent="-285750">
@@ -11282,12 +11370,51 @@
               <a:buChar char="•"/>
             </a:pPr>
             <a:r>
-              <a:rPr kumimoji="1" lang="ja-JP" altLang="en-US" sz="3200" dirty="0"/>
+              <a:rPr kumimoji="1" lang="ja-JP" altLang="en-US" sz="3200" dirty="0">
+                <a:latin typeface="BIZ UDP明朝 Medium" panose="02020500000000000000" pitchFamily="18" charset="-128"/>
+                <a:ea typeface="BIZ UDP明朝 Medium" panose="02020500000000000000" pitchFamily="18" charset="-128"/>
+              </a:rPr>
               <a:t>投稿ページ</a:t>
             </a:r>
           </a:p>
         </p:txBody>
       </p:sp>
+      <p:pic>
+        <p:nvPicPr>
+          <p:cNvPr id="10" name="図 9" descr="ロゴ&#10;&#10;自動的に生成された説明">
+            <a:extLst>
+              <a:ext uri="{FF2B5EF4-FFF2-40B4-BE49-F238E27FC236}">
+                <a16:creationId xmlns:a16="http://schemas.microsoft.com/office/drawing/2014/main" id="{E70D3B8F-2040-BB69-5E6B-D0C8E1000809}"/>
+              </a:ext>
+            </a:extLst>
+          </p:cNvPr>
+          <p:cNvPicPr>
+            <a:picLocks noChangeAspect="1"/>
+          </p:cNvPicPr>
+          <p:nvPr/>
+        </p:nvPicPr>
+        <p:blipFill>
+          <a:blip r:embed="rId3">
+            <a:extLst>
+              <a:ext uri="{28A0092B-C50C-407E-A947-70E740481C1C}">
+                <a14:useLocalDpi xmlns:a14="http://schemas.microsoft.com/office/drawing/2010/main" val="0"/>
+              </a:ext>
+            </a:extLst>
+          </a:blip>
+          <a:stretch>
+            <a:fillRect/>
+          </a:stretch>
+        </p:blipFill>
+        <p:spPr>
+          <a:xfrm>
+            <a:off x="10221490" y="5889093"/>
+            <a:ext cx="1081500" cy="504700"/>
+          </a:xfrm>
+          <a:prstGeom prst="rect">
+            <a:avLst/>
+          </a:prstGeom>
+        </p:spPr>
+      </p:pic>
     </p:spTree>
     <p:extLst>
       <p:ext uri="{BB962C8B-B14F-4D97-AF65-F5344CB8AC3E}">
@@ -11395,7 +11522,7 @@
             <a:r>
               <a:rPr lang="ja-JP" altLang="en-US" b="1" dirty="0">
                 <a:solidFill>
-                  <a:srgbClr val="056334"/>
+                  <a:srgbClr val="5F9EA0"/>
                 </a:solidFill>
                 <a:latin typeface="HGS行書体" panose="03000600000000000000" pitchFamily="66" charset="-128"/>
                 <a:ea typeface="HGS行書体" panose="03000600000000000000" pitchFamily="66" charset="-128"/>
@@ -11404,7 +11531,7 @@
             </a:r>
             <a:endParaRPr kumimoji="1" lang="ja-JP" altLang="en-US" b="1" dirty="0">
               <a:solidFill>
-                <a:srgbClr val="056334"/>
+                <a:srgbClr val="5F9EA0"/>
               </a:solidFill>
               <a:latin typeface="HGS行書体" panose="03000600000000000000" pitchFamily="66" charset="-128"/>
               <a:ea typeface="HGS行書体" panose="03000600000000000000" pitchFamily="66" charset="-128"/>
@@ -11412,12 +11539,37 @@
           </a:p>
         </p:txBody>
       </p:sp>
+      <p:sp>
+        <p:nvSpPr>
+          <p:cNvPr id="4" name="コンテンツ プレースホルダー 3">
+            <a:extLst>
+              <a:ext uri="{FF2B5EF4-FFF2-40B4-BE49-F238E27FC236}">
+                <a16:creationId xmlns:a16="http://schemas.microsoft.com/office/drawing/2014/main" id="{3B1EA955-CDE6-7DD3-823F-472C9428F9AB}"/>
+              </a:ext>
+            </a:extLst>
+          </p:cNvPr>
+          <p:cNvSpPr>
+            <a:spLocks noGrp="1"/>
+          </p:cNvSpPr>
+          <p:nvPr>
+            <p:ph idx="1"/>
+          </p:nvPr>
+        </p:nvSpPr>
+        <p:spPr/>
+        <p:txBody>
+          <a:bodyPr/>
+          <a:lstStyle/>
+          <a:p>
+            <a:endParaRPr lang="ja-JP" altLang="en-US"/>
+          </a:p>
+        </p:txBody>
+      </p:sp>
       <p:pic>
         <p:nvPicPr>
-          <p:cNvPr id="7" name="図 6" descr="ロゴ&#10;&#10;自動的に生成された説明">
-            <a:extLst>
-              <a:ext uri="{FF2B5EF4-FFF2-40B4-BE49-F238E27FC236}">
-                <a16:creationId xmlns:a16="http://schemas.microsoft.com/office/drawing/2014/main" id="{5899AC02-225B-A422-7385-7A2BE5AFEB7D}"/>
+          <p:cNvPr id="8" name="図 7" descr="ロゴ&#10;&#10;自動的に生成された説明">
+            <a:extLst>
+              <a:ext uri="{FF2B5EF4-FFF2-40B4-BE49-F238E27FC236}">
+                <a16:creationId xmlns:a16="http://schemas.microsoft.com/office/drawing/2014/main" id="{FA23E52C-D7B5-DED9-AD7B-CF206BC92C13}"/>
               </a:ext>
             </a:extLst>
           </p:cNvPr>
@@ -11440,47 +11592,12 @@
         </p:blipFill>
         <p:spPr>
           <a:xfrm>
-            <a:off x="10270436" y="5919485"/>
+            <a:off x="10221490" y="5889093"/>
             <a:ext cx="1081500" cy="504700"/>
           </a:xfrm>
           <a:prstGeom prst="rect">
             <a:avLst/>
           </a:prstGeom>
-        </p:spPr>
-      </p:pic>
-      <p:pic>
-        <p:nvPicPr>
-          <p:cNvPr id="5" name="コンテンツ プレースホルダー 4" descr="テキスト&#10;&#10;中程度の精度で自動的に生成された説明">
-            <a:extLst>
-              <a:ext uri="{FF2B5EF4-FFF2-40B4-BE49-F238E27FC236}">
-                <a16:creationId xmlns:a16="http://schemas.microsoft.com/office/drawing/2014/main" id="{9A1B9BEC-7016-C50B-1799-C0EB3F66B41D}"/>
-              </a:ext>
-            </a:extLst>
-          </p:cNvPr>
-          <p:cNvPicPr>
-            <a:picLocks noGrp="1" noChangeAspect="1"/>
-          </p:cNvPicPr>
-          <p:nvPr>
-            <p:ph idx="1"/>
-          </p:nvPr>
-        </p:nvPicPr>
-        <p:blipFill>
-          <a:blip r:embed="rId4">
-            <a:extLst>
-              <a:ext uri="{28A0092B-C50C-407E-A947-70E740481C1C}">
-                <a14:useLocalDpi xmlns:a14="http://schemas.microsoft.com/office/drawing/2010/main" val="0"/>
-              </a:ext>
-            </a:extLst>
-          </a:blip>
-          <a:stretch>
-            <a:fillRect/>
-          </a:stretch>
-        </p:blipFill>
-        <p:spPr>
-          <a:xfrm>
-            <a:off x="1551712" y="1754326"/>
-            <a:ext cx="9088575" cy="4351338"/>
-          </a:xfrm>
         </p:spPr>
       </p:pic>
     </p:spTree>
@@ -11590,7 +11707,7 @@
             <a:r>
               <a:rPr lang="ja-JP" altLang="en-US" b="1" dirty="0">
                 <a:solidFill>
-                  <a:srgbClr val="056334"/>
+                  <a:srgbClr val="5F9EA0"/>
                 </a:solidFill>
                 <a:latin typeface="HGS行書体" panose="03000600000000000000" pitchFamily="66" charset="-128"/>
                 <a:ea typeface="HGS行書体" panose="03000600000000000000" pitchFamily="66" charset="-128"/>
@@ -11599,7 +11716,7 @@
             </a:r>
             <a:endParaRPr kumimoji="1" lang="ja-JP" altLang="en-US" b="1" dirty="0">
               <a:solidFill>
-                <a:srgbClr val="056334"/>
+                <a:srgbClr val="5F9EA0"/>
               </a:solidFill>
               <a:latin typeface="HGS行書体" panose="03000600000000000000" pitchFamily="66" charset="-128"/>
               <a:ea typeface="HGS行書体" panose="03000600000000000000" pitchFamily="66" charset="-128"/>
@@ -11607,12 +11724,37 @@
           </a:p>
         </p:txBody>
       </p:sp>
+      <p:sp>
+        <p:nvSpPr>
+          <p:cNvPr id="5" name="コンテンツ プレースホルダー 4">
+            <a:extLst>
+              <a:ext uri="{FF2B5EF4-FFF2-40B4-BE49-F238E27FC236}">
+                <a16:creationId xmlns:a16="http://schemas.microsoft.com/office/drawing/2014/main" id="{630C032E-247A-FCD8-9C52-52459A5BE097}"/>
+              </a:ext>
+            </a:extLst>
+          </p:cNvPr>
+          <p:cNvSpPr>
+            <a:spLocks noGrp="1"/>
+          </p:cNvSpPr>
+          <p:nvPr>
+            <p:ph idx="1"/>
+          </p:nvPr>
+        </p:nvSpPr>
+        <p:spPr/>
+        <p:txBody>
+          <a:bodyPr/>
+          <a:lstStyle/>
+          <a:p>
+            <a:endParaRPr lang="ja-JP" altLang="en-US"/>
+          </a:p>
+        </p:txBody>
+      </p:sp>
       <p:pic>
         <p:nvPicPr>
-          <p:cNvPr id="7" name="図 6" descr="ロゴ&#10;&#10;自動的に生成された説明">
-            <a:extLst>
-              <a:ext uri="{FF2B5EF4-FFF2-40B4-BE49-F238E27FC236}">
-                <a16:creationId xmlns:a16="http://schemas.microsoft.com/office/drawing/2014/main" id="{5899AC02-225B-A422-7385-7A2BE5AFEB7D}"/>
+          <p:cNvPr id="8" name="図 7" descr="ロゴ&#10;&#10;自動的に生成された説明">
+            <a:extLst>
+              <a:ext uri="{FF2B5EF4-FFF2-40B4-BE49-F238E27FC236}">
+                <a16:creationId xmlns:a16="http://schemas.microsoft.com/office/drawing/2014/main" id="{09359CA3-CF54-3091-61C9-43E9BFCEA2FF}"/>
               </a:ext>
             </a:extLst>
           </p:cNvPr>
@@ -11635,47 +11777,12 @@
         </p:blipFill>
         <p:spPr>
           <a:xfrm>
-            <a:off x="10270436" y="5919485"/>
+            <a:off x="10221490" y="5889093"/>
             <a:ext cx="1081500" cy="504700"/>
           </a:xfrm>
           <a:prstGeom prst="rect">
             <a:avLst/>
           </a:prstGeom>
-        </p:spPr>
-      </p:pic>
-      <p:pic>
-        <p:nvPicPr>
-          <p:cNvPr id="4" name="コンテンツ プレースホルダー 3" descr="グラフィカル ユーザー インターフェイス, テキスト, アプリケーション&#10;&#10;自動的に生成された説明">
-            <a:extLst>
-              <a:ext uri="{FF2B5EF4-FFF2-40B4-BE49-F238E27FC236}">
-                <a16:creationId xmlns:a16="http://schemas.microsoft.com/office/drawing/2014/main" id="{AF0CDD4C-6E65-F23E-2081-A23548BDB955}"/>
-              </a:ext>
-            </a:extLst>
-          </p:cNvPr>
-          <p:cNvPicPr>
-            <a:picLocks noGrp="1" noChangeAspect="1"/>
-          </p:cNvPicPr>
-          <p:nvPr>
-            <p:ph idx="1"/>
-          </p:nvPr>
-        </p:nvPicPr>
-        <p:blipFill>
-          <a:blip r:embed="rId4">
-            <a:extLst>
-              <a:ext uri="{28A0092B-C50C-407E-A947-70E740481C1C}">
-                <a14:useLocalDpi xmlns:a14="http://schemas.microsoft.com/office/drawing/2010/main" val="0"/>
-              </a:ext>
-            </a:extLst>
-          </a:blip>
-          <a:stretch>
-            <a:fillRect/>
-          </a:stretch>
-        </p:blipFill>
-        <p:spPr>
-          <a:xfrm>
-            <a:off x="2226255" y="1754326"/>
-            <a:ext cx="7739489" cy="4351338"/>
-          </a:xfrm>
         </p:spPr>
       </p:pic>
     </p:spTree>
@@ -11785,7 +11892,7 @@
             <a:r>
               <a:rPr kumimoji="1" lang="ja-JP" altLang="en-US" b="1" dirty="0">
                 <a:solidFill>
-                  <a:srgbClr val="056334"/>
+                  <a:srgbClr val="5F9EA0"/>
                 </a:solidFill>
                 <a:latin typeface="HGS行書体" panose="03000600000000000000" pitchFamily="66" charset="-128"/>
                 <a:ea typeface="HGS行書体" panose="03000600000000000000" pitchFamily="66" charset="-128"/>
@@ -11795,7 +11902,7 @@
             <a:r>
               <a:rPr kumimoji="1" lang="en-US" altLang="ja-JP" b="1" dirty="0">
                 <a:solidFill>
-                  <a:srgbClr val="056334"/>
+                  <a:srgbClr val="5F9EA0"/>
                 </a:solidFill>
                 <a:latin typeface="HGS行書体" panose="03000600000000000000" pitchFamily="66" charset="-128"/>
                 <a:ea typeface="HGS行書体" panose="03000600000000000000" pitchFamily="66" charset="-128"/>
@@ -11805,22 +11912,47 @@
             <a:r>
               <a:rPr kumimoji="1" lang="ja-JP" altLang="en-US" b="1" dirty="0">
                 <a:solidFill>
-                  <a:srgbClr val="056334"/>
+                  <a:srgbClr val="5F9EA0"/>
                 </a:solidFill>
                 <a:latin typeface="HGS行書体" panose="03000600000000000000" pitchFamily="66" charset="-128"/>
                 <a:ea typeface="HGS行書体" panose="03000600000000000000" pitchFamily="66" charset="-128"/>
               </a:rPr>
               <a:t>ユーザーページ</a:t>
             </a:r>
+          </a:p>
+        </p:txBody>
+      </p:sp>
+      <p:sp>
+        <p:nvSpPr>
+          <p:cNvPr id="5" name="コンテンツ プレースホルダー 4">
+            <a:extLst>
+              <a:ext uri="{FF2B5EF4-FFF2-40B4-BE49-F238E27FC236}">
+                <a16:creationId xmlns:a16="http://schemas.microsoft.com/office/drawing/2014/main" id="{8266A150-D80E-E859-C0C5-56C004D1366A}"/>
+              </a:ext>
+            </a:extLst>
+          </p:cNvPr>
+          <p:cNvSpPr>
+            <a:spLocks noGrp="1"/>
+          </p:cNvSpPr>
+          <p:nvPr>
+            <p:ph idx="1"/>
+          </p:nvPr>
+        </p:nvSpPr>
+        <p:spPr/>
+        <p:txBody>
+          <a:bodyPr/>
+          <a:lstStyle/>
+          <a:p>
+            <a:endParaRPr lang="ja-JP" altLang="en-US"/>
           </a:p>
         </p:txBody>
       </p:sp>
       <p:pic>
         <p:nvPicPr>
-          <p:cNvPr id="7" name="図 6" descr="ロゴ&#10;&#10;自動的に生成された説明">
-            <a:extLst>
-              <a:ext uri="{FF2B5EF4-FFF2-40B4-BE49-F238E27FC236}">
-                <a16:creationId xmlns:a16="http://schemas.microsoft.com/office/drawing/2014/main" id="{5899AC02-225B-A422-7385-7A2BE5AFEB7D}"/>
+          <p:cNvPr id="8" name="図 7" descr="ロゴ&#10;&#10;自動的に生成された説明">
+            <a:extLst>
+              <a:ext uri="{FF2B5EF4-FFF2-40B4-BE49-F238E27FC236}">
+                <a16:creationId xmlns:a16="http://schemas.microsoft.com/office/drawing/2014/main" id="{FFF46CD1-A7C6-EE85-CE46-486E9937FC68}"/>
               </a:ext>
             </a:extLst>
           </p:cNvPr>
@@ -11843,47 +11975,12 @@
         </p:blipFill>
         <p:spPr>
           <a:xfrm>
-            <a:off x="10270436" y="5919485"/>
+            <a:off x="10221490" y="5889093"/>
             <a:ext cx="1081500" cy="504700"/>
           </a:xfrm>
           <a:prstGeom prst="rect">
             <a:avLst/>
           </a:prstGeom>
-        </p:spPr>
-      </p:pic>
-      <p:pic>
-        <p:nvPicPr>
-          <p:cNvPr id="4" name="コンテンツ プレースホルダー 3" descr="グラフィカル ユーザー インターフェイス&#10;&#10;自動的に生成された説明">
-            <a:extLst>
-              <a:ext uri="{FF2B5EF4-FFF2-40B4-BE49-F238E27FC236}">
-                <a16:creationId xmlns:a16="http://schemas.microsoft.com/office/drawing/2014/main" id="{84931674-50E5-3EFC-2B88-270CC61A5996}"/>
-              </a:ext>
-            </a:extLst>
-          </p:cNvPr>
-          <p:cNvPicPr>
-            <a:picLocks noGrp="1" noChangeAspect="1"/>
-          </p:cNvPicPr>
-          <p:nvPr>
-            <p:ph idx="1"/>
-          </p:nvPr>
-        </p:nvPicPr>
-        <p:blipFill>
-          <a:blip r:embed="rId4">
-            <a:extLst>
-              <a:ext uri="{28A0092B-C50C-407E-A947-70E740481C1C}">
-                <a14:useLocalDpi xmlns:a14="http://schemas.microsoft.com/office/drawing/2010/main" val="0"/>
-              </a:ext>
-            </a:extLst>
-          </a:blip>
-          <a:stretch>
-            <a:fillRect/>
-          </a:stretch>
-        </p:blipFill>
-        <p:spPr>
-          <a:xfrm>
-            <a:off x="2226255" y="1754326"/>
-            <a:ext cx="7739489" cy="4351338"/>
-          </a:xfrm>
         </p:spPr>
       </p:pic>
     </p:spTree>
@@ -11993,7 +12090,7 @@
             <a:r>
               <a:rPr kumimoji="1" lang="ja-JP" altLang="en-US" b="1" dirty="0">
                 <a:solidFill>
-                  <a:srgbClr val="056334"/>
+                  <a:srgbClr val="5F9EA0"/>
                 </a:solidFill>
                 <a:latin typeface="HGS行書体" panose="03000600000000000000" pitchFamily="66" charset="-128"/>
                 <a:ea typeface="HGS行書体" panose="03000600000000000000" pitchFamily="66" charset="-128"/>
@@ -12003,7 +12100,7 @@
             <a:r>
               <a:rPr kumimoji="1" lang="en-US" altLang="ja-JP" b="1" dirty="0">
                 <a:solidFill>
-                  <a:srgbClr val="056334"/>
+                  <a:srgbClr val="5F9EA0"/>
                 </a:solidFill>
                 <a:latin typeface="HGS行書体" panose="03000600000000000000" pitchFamily="66" charset="-128"/>
                 <a:ea typeface="HGS行書体" panose="03000600000000000000" pitchFamily="66" charset="-128"/>
@@ -12013,22 +12110,47 @@
             <a:r>
               <a:rPr kumimoji="1" lang="ja-JP" altLang="en-US" b="1" dirty="0">
                 <a:solidFill>
-                  <a:srgbClr val="056334"/>
+                  <a:srgbClr val="5F9EA0"/>
                 </a:solidFill>
                 <a:latin typeface="HGS行書体" panose="03000600000000000000" pitchFamily="66" charset="-128"/>
                 <a:ea typeface="HGS行書体" panose="03000600000000000000" pitchFamily="66" charset="-128"/>
               </a:rPr>
               <a:t>ユーザーページ</a:t>
             </a:r>
+          </a:p>
+        </p:txBody>
+      </p:sp>
+      <p:sp>
+        <p:nvSpPr>
+          <p:cNvPr id="4" name="コンテンツ プレースホルダー 3">
+            <a:extLst>
+              <a:ext uri="{FF2B5EF4-FFF2-40B4-BE49-F238E27FC236}">
+                <a16:creationId xmlns:a16="http://schemas.microsoft.com/office/drawing/2014/main" id="{E2F25A88-20A6-44B2-FE73-131F098C56F0}"/>
+              </a:ext>
+            </a:extLst>
+          </p:cNvPr>
+          <p:cNvSpPr>
+            <a:spLocks noGrp="1"/>
+          </p:cNvSpPr>
+          <p:nvPr>
+            <p:ph idx="1"/>
+          </p:nvPr>
+        </p:nvSpPr>
+        <p:spPr/>
+        <p:txBody>
+          <a:bodyPr/>
+          <a:lstStyle/>
+          <a:p>
+            <a:endParaRPr lang="ja-JP" altLang="en-US"/>
           </a:p>
         </p:txBody>
       </p:sp>
       <p:pic>
         <p:nvPicPr>
-          <p:cNvPr id="7" name="図 6" descr="ロゴ&#10;&#10;自動的に生成された説明">
-            <a:extLst>
-              <a:ext uri="{FF2B5EF4-FFF2-40B4-BE49-F238E27FC236}">
-                <a16:creationId xmlns:a16="http://schemas.microsoft.com/office/drawing/2014/main" id="{5899AC02-225B-A422-7385-7A2BE5AFEB7D}"/>
+          <p:cNvPr id="8" name="図 7" descr="ロゴ&#10;&#10;自動的に生成された説明">
+            <a:extLst>
+              <a:ext uri="{FF2B5EF4-FFF2-40B4-BE49-F238E27FC236}">
+                <a16:creationId xmlns:a16="http://schemas.microsoft.com/office/drawing/2014/main" id="{9DF5B3E7-536E-CD85-5C1F-4E58F38A3CDD}"/>
               </a:ext>
             </a:extLst>
           </p:cNvPr>
@@ -12051,47 +12173,12 @@
         </p:blipFill>
         <p:spPr>
           <a:xfrm>
-            <a:off x="10270436" y="5919485"/>
+            <a:off x="10221490" y="5889093"/>
             <a:ext cx="1081500" cy="504700"/>
           </a:xfrm>
           <a:prstGeom prst="rect">
             <a:avLst/>
           </a:prstGeom>
-        </p:spPr>
-      </p:pic>
-      <p:pic>
-        <p:nvPicPr>
-          <p:cNvPr id="9" name="コンテンツ プレースホルダー 8" descr="テキスト&#10;&#10;自動的に生成された説明">
-            <a:extLst>
-              <a:ext uri="{FF2B5EF4-FFF2-40B4-BE49-F238E27FC236}">
-                <a16:creationId xmlns:a16="http://schemas.microsoft.com/office/drawing/2014/main" id="{7A744201-6B8F-D79A-38E2-5A8A0005F8E5}"/>
-              </a:ext>
-            </a:extLst>
-          </p:cNvPr>
-          <p:cNvPicPr>
-            <a:picLocks noGrp="1" noChangeAspect="1"/>
-          </p:cNvPicPr>
-          <p:nvPr>
-            <p:ph idx="1"/>
-          </p:nvPr>
-        </p:nvPicPr>
-        <p:blipFill>
-          <a:blip r:embed="rId4">
-            <a:extLst>
-              <a:ext uri="{28A0092B-C50C-407E-A947-70E740481C1C}">
-                <a14:useLocalDpi xmlns:a14="http://schemas.microsoft.com/office/drawing/2010/main" val="0"/>
-              </a:ext>
-            </a:extLst>
-          </a:blip>
-          <a:stretch>
-            <a:fillRect/>
-          </a:stretch>
-        </p:blipFill>
-        <p:spPr>
-          <a:xfrm>
-            <a:off x="2226255" y="1754326"/>
-            <a:ext cx="7739489" cy="4351338"/>
-          </a:xfrm>
         </p:spPr>
       </p:pic>
     </p:spTree>

--- a/doc/B-3_配布資料/B3炙りえんがわ_成果発表会資料.pptx
+++ b/doc/B-3_配布資料/B3炙りえんがわ_成果発表会資料.pptx
@@ -9842,7 +9842,7 @@
             <a:r>
               <a:rPr kumimoji="1" lang="ja-JP" altLang="en-US" b="1" dirty="0">
                 <a:solidFill>
-                  <a:srgbClr val="5F9EA0"/>
+                  <a:srgbClr val="004080"/>
                 </a:solidFill>
                 <a:latin typeface="HGS行書体" panose="03000600000000000000" pitchFamily="66" charset="-128"/>
                 <a:ea typeface="HGS行書体" panose="03000600000000000000" pitchFamily="66" charset="-128"/>
@@ -10319,7 +10319,7 @@
             <a:r>
               <a:rPr lang="ja-JP" altLang="en-US" b="1" dirty="0">
                 <a:solidFill>
-                  <a:srgbClr val="5F9EA0"/>
+                  <a:srgbClr val="004080"/>
                 </a:solidFill>
                 <a:latin typeface="HGS行書体" panose="03000600000000000000" pitchFamily="66" charset="-128"/>
                 <a:ea typeface="HGS行書体" panose="03000600000000000000" pitchFamily="66" charset="-128"/>
@@ -10328,7 +10328,7 @@
             </a:r>
             <a:endParaRPr kumimoji="1" lang="ja-JP" altLang="en-US" b="1" dirty="0">
               <a:solidFill>
-                <a:srgbClr val="5F9EA0"/>
+                <a:srgbClr val="004080"/>
               </a:solidFill>
               <a:latin typeface="HGS行書体" panose="03000600000000000000" pitchFamily="66" charset="-128"/>
               <a:ea typeface="HGS行書体" panose="03000600000000000000" pitchFamily="66" charset="-128"/>

--- a/doc/B-3_配布資料/B3炙りえんがわ_成果発表会資料.pptx
+++ b/doc/B-3_配布資料/B3炙りえんがわ_成果発表会資料.pptx
@@ -10208,6 +10208,122 @@
           </a:prstGeom>
         </p:spPr>
       </p:pic>
+      <p:grpSp>
+        <p:nvGrpSpPr>
+          <p:cNvPr id="9" name="グループ化 8">
+            <a:extLst>
+              <a:ext uri="{FF2B5EF4-FFF2-40B4-BE49-F238E27FC236}">
+                <a16:creationId xmlns:a16="http://schemas.microsoft.com/office/drawing/2014/main" id="{6EF97B20-6385-B06D-4B09-5AF44C30A043}"/>
+              </a:ext>
+            </a:extLst>
+          </p:cNvPr>
+          <p:cNvGrpSpPr/>
+          <p:nvPr/>
+        </p:nvGrpSpPr>
+        <p:grpSpPr>
+          <a:xfrm>
+            <a:off x="9293902" y="3511850"/>
+            <a:ext cx="1351629" cy="1351629"/>
+            <a:chOff x="9293902" y="3511850"/>
+            <a:chExt cx="1351629" cy="1351629"/>
+          </a:xfrm>
+        </p:grpSpPr>
+        <p:pic>
+          <p:nvPicPr>
+            <p:cNvPr id="10" name="Picture 2">
+              <a:extLst>
+                <a:ext uri="{FF2B5EF4-FFF2-40B4-BE49-F238E27FC236}">
+                  <a16:creationId xmlns:a16="http://schemas.microsoft.com/office/drawing/2014/main" id="{9A1EA9B0-DE80-5808-2385-AC19F553F143}"/>
+                </a:ext>
+              </a:extLst>
+            </p:cNvPr>
+            <p:cNvPicPr>
+              <a:picLocks noChangeAspect="1" noChangeArrowheads="1"/>
+            </p:cNvPicPr>
+            <p:nvPr/>
+          </p:nvPicPr>
+          <p:blipFill>
+            <a:blip r:embed="rId3">
+              <a:extLst>
+                <a:ext uri="{28A0092B-C50C-407E-A947-70E740481C1C}">
+                  <a14:useLocalDpi xmlns:a14="http://schemas.microsoft.com/office/drawing/2010/main" val="0"/>
+                </a:ext>
+              </a:extLst>
+            </a:blip>
+            <a:srcRect/>
+            <a:stretch>
+              <a:fillRect/>
+            </a:stretch>
+          </p:blipFill>
+          <p:spPr bwMode="auto">
+            <a:xfrm flipH="1">
+              <a:off x="9293902" y="3511850"/>
+              <a:ext cx="1351629" cy="1351629"/>
+            </a:xfrm>
+            <a:prstGeom prst="rect">
+              <a:avLst/>
+            </a:prstGeom>
+            <a:noFill/>
+            <a:extLst>
+              <a:ext uri="{909E8E84-426E-40DD-AFC4-6F175D3DCCD1}">
+                <a14:hiddenFill xmlns:a14="http://schemas.microsoft.com/office/drawing/2010/main">
+                  <a:solidFill>
+                    <a:srgbClr val="FFFFFF"/>
+                  </a:solidFill>
+                </a14:hiddenFill>
+              </a:ext>
+            </a:extLst>
+          </p:spPr>
+        </p:pic>
+        <p:sp>
+          <p:nvSpPr>
+            <p:cNvPr id="11" name="テキスト ボックス 10">
+              <a:extLst>
+                <a:ext uri="{FF2B5EF4-FFF2-40B4-BE49-F238E27FC236}">
+                  <a16:creationId xmlns:a16="http://schemas.microsoft.com/office/drawing/2014/main" id="{1337179E-2364-C8A6-A028-19ED7CE7DA8F}"/>
+                </a:ext>
+              </a:extLst>
+            </p:cNvPr>
+            <p:cNvSpPr txBox="1"/>
+            <p:nvPr/>
+          </p:nvSpPr>
+          <p:spPr>
+            <a:xfrm>
+              <a:off x="10126002" y="3634810"/>
+              <a:ext cx="519529" cy="400110"/>
+            </a:xfrm>
+            <a:prstGeom prst="rect">
+              <a:avLst/>
+            </a:prstGeom>
+            <a:noFill/>
+          </p:spPr>
+          <p:txBody>
+            <a:bodyPr wrap="square" rtlCol="0">
+              <a:spAutoFit/>
+            </a:bodyPr>
+            <a:lstStyle/>
+            <a:p>
+              <a:r>
+                <a:rPr kumimoji="1" lang="en-US" altLang="ja-JP" sz="2000" b="1" dirty="0">
+                  <a:solidFill>
+                    <a:srgbClr val="FF0000"/>
+                  </a:solidFill>
+                  <a:latin typeface="BIZ UDP明朝 Medium" panose="02020500000000000000" pitchFamily="18" charset="-128"/>
+                  <a:ea typeface="BIZ UDP明朝 Medium" panose="02020500000000000000" pitchFamily="18" charset="-128"/>
+                </a:rPr>
+                <a:t>!?</a:t>
+              </a:r>
+              <a:endParaRPr kumimoji="1" lang="ja-JP" altLang="en-US" sz="2000" b="1" dirty="0">
+                <a:solidFill>
+                  <a:srgbClr val="FF0000"/>
+                </a:solidFill>
+                <a:latin typeface="BIZ UDP明朝 Medium" panose="02020500000000000000" pitchFamily="18" charset="-128"/>
+                <a:ea typeface="BIZ UDP明朝 Medium" panose="02020500000000000000" pitchFamily="18" charset="-128"/>
+              </a:endParaRPr>
+            </a:p>
+          </p:txBody>
+        </p:sp>
+      </p:grpSp>
     </p:spTree>
     <p:extLst>
       <p:ext uri="{BB962C8B-B14F-4D97-AF65-F5344CB8AC3E}">
@@ -10577,7 +10693,7 @@
         </p:blipFill>
         <p:spPr>
           <a:xfrm>
-            <a:off x="9229989" y="1496393"/>
+            <a:off x="9110069" y="1496393"/>
             <a:ext cx="1164535" cy="1036627"/>
           </a:xfrm>
           <a:prstGeom prst="rect">
@@ -10614,7 +10730,7 @@
         </p:blipFill>
         <p:spPr bwMode="auto">
           <a:xfrm>
-            <a:off x="9579070" y="520148"/>
+            <a:off x="9504120" y="520148"/>
             <a:ext cx="1730031" cy="1275898"/>
           </a:xfrm>
           <a:prstGeom prst="rect">
@@ -10660,7 +10776,7 @@
         </p:blipFill>
         <p:spPr>
           <a:xfrm>
-            <a:off x="10142948" y="831124"/>
+            <a:off x="10038018" y="831124"/>
             <a:ext cx="602273" cy="607259"/>
           </a:xfrm>
           <a:prstGeom prst="rect">

--- a/doc/B-3_配布資料/B3炙りえんがわ_成果発表会資料.pptx
+++ b/doc/B-3_配布資料/B3炙りえんがわ_成果発表会資料.pptx
@@ -3594,6 +3594,60 @@
           </a:prstGeom>
         </p:spPr>
       </p:pic>
+      <p:pic>
+        <p:nvPicPr>
+          <p:cNvPr id="5" name="Picture 12">
+            <a:extLst>
+              <a:ext uri="{FF2B5EF4-FFF2-40B4-BE49-F238E27FC236}">
+                <a16:creationId xmlns:a16="http://schemas.microsoft.com/office/drawing/2014/main" id="{8207BED1-A286-191E-848A-96AD4D6E89B0}"/>
+              </a:ext>
+            </a:extLst>
+          </p:cNvPr>
+          <p:cNvPicPr>
+            <a:picLocks noChangeAspect="1" noChangeArrowheads="1"/>
+          </p:cNvPicPr>
+          <p:nvPr/>
+        </p:nvPicPr>
+        <p:blipFill>
+          <a:blip r:embed="rId3">
+            <a:duotone>
+              <a:prstClr val="black"/>
+              <a:srgbClr val="FF0000">
+                <a:tint val="45000"/>
+                <a:satMod val="400000"/>
+              </a:srgbClr>
+            </a:duotone>
+            <a:extLst>
+              <a:ext uri="{28A0092B-C50C-407E-A947-70E740481C1C}">
+                <a14:useLocalDpi xmlns:a14="http://schemas.microsoft.com/office/drawing/2010/main" val="0"/>
+              </a:ext>
+            </a:extLst>
+          </a:blip>
+          <a:srcRect/>
+          <a:stretch>
+            <a:fillRect/>
+          </a:stretch>
+        </p:blipFill>
+        <p:spPr bwMode="auto">
+          <a:xfrm>
+            <a:off x="438350" y="98251"/>
+            <a:ext cx="11341804" cy="1930400"/>
+          </a:xfrm>
+          <a:prstGeom prst="rect">
+            <a:avLst/>
+          </a:prstGeom>
+          <a:noFill/>
+          <a:extLst>
+            <a:ext uri="{909E8E84-426E-40DD-AFC4-6F175D3DCCD1}">
+              <a14:hiddenFill xmlns:a14="http://schemas.microsoft.com/office/drawing/2010/main">
+                <a:solidFill>
+                  <a:srgbClr val="FFFFFF"/>
+                </a:solidFill>
+              </a14:hiddenFill>
+            </a:ext>
+          </a:extLst>
+        </p:spPr>
+      </p:pic>
     </p:spTree>
     <p:extLst>
       <p:ext uri="{BB962C8B-B14F-4D97-AF65-F5344CB8AC3E}">
@@ -3604,6 +3658,89 @@
   <p:clrMapOvr>
     <a:masterClrMapping/>
   </p:clrMapOvr>
+  <p:timing>
+    <p:tnLst>
+      <p:par>
+        <p:cTn id="1" dur="indefinite" restart="never" nodeType="tmRoot">
+          <p:childTnLst>
+            <p:seq concurrent="1" nextAc="seek">
+              <p:cTn id="2" dur="indefinite" nodeType="mainSeq">
+                <p:childTnLst>
+                  <p:par>
+                    <p:cTn id="3" fill="hold">
+                      <p:stCondLst>
+                        <p:cond delay="indefinite"/>
+                      </p:stCondLst>
+                      <p:childTnLst>
+                        <p:par>
+                          <p:cTn id="4" fill="hold">
+                            <p:stCondLst>
+                              <p:cond delay="0"/>
+                            </p:stCondLst>
+                            <p:childTnLst>
+                              <p:par>
+                                <p:cTn id="5" presetID="10" presetClass="exit" presetSubtype="0" fill="hold" nodeType="clickEffect">
+                                  <p:stCondLst>
+                                    <p:cond delay="0"/>
+                                  </p:stCondLst>
+                                  <p:childTnLst>
+                                    <p:animEffect transition="out" filter="fade">
+                                      <p:cBhvr>
+                                        <p:cTn id="6" dur="750"/>
+                                        <p:tgtEl>
+                                          <p:spTgt spid="5"/>
+                                        </p:tgtEl>
+                                      </p:cBhvr>
+                                    </p:animEffect>
+                                    <p:set>
+                                      <p:cBhvr>
+                                        <p:cTn id="7" dur="1" fill="hold">
+                                          <p:stCondLst>
+                                            <p:cond delay="749"/>
+                                          </p:stCondLst>
+                                        </p:cTn>
+                                        <p:tgtEl>
+                                          <p:spTgt spid="5"/>
+                                        </p:tgtEl>
+                                        <p:attrNameLst>
+                                          <p:attrName>style.visibility</p:attrName>
+                                        </p:attrNameLst>
+                                      </p:cBhvr>
+                                      <p:to>
+                                        <p:strVal val="hidden"/>
+                                      </p:to>
+                                    </p:set>
+                                  </p:childTnLst>
+                                </p:cTn>
+                              </p:par>
+                            </p:childTnLst>
+                          </p:cTn>
+                        </p:par>
+                      </p:childTnLst>
+                    </p:cTn>
+                  </p:par>
+                </p:childTnLst>
+              </p:cTn>
+              <p:prevCondLst>
+                <p:cond evt="onPrev" delay="0">
+                  <p:tgtEl>
+                    <p:sldTgt/>
+                  </p:tgtEl>
+                </p:cond>
+              </p:prevCondLst>
+              <p:nextCondLst>
+                <p:cond evt="onNext" delay="0">
+                  <p:tgtEl>
+                    <p:sldTgt/>
+                  </p:tgtEl>
+                </p:cond>
+              </p:nextCondLst>
+            </p:seq>
+          </p:childTnLst>
+        </p:cTn>
+      </p:par>
+    </p:tnLst>
+  </p:timing>
 </p:sld>
 </file>
 
@@ -4821,6 +4958,13 @@
           <a:prstGeom prst="rect">
             <a:avLst/>
           </a:prstGeom>
+          <a:effectLst>
+            <a:outerShdw blurRad="50800" dist="38100" dir="5400000" algn="t" rotWithShape="0">
+              <a:prstClr val="black">
+                <a:alpha val="40000"/>
+              </a:prstClr>
+            </a:outerShdw>
+          </a:effectLst>
         </p:spPr>
       </p:pic>
       <mc:AlternateContent xmlns:mc="http://schemas.openxmlformats.org/markup-compatibility/2006" xmlns:p14="http://schemas.microsoft.com/office/powerpoint/2010/main">
@@ -10227,6 +10371,13 @@
             <a:chOff x="9293902" y="3511850"/>
             <a:chExt cx="1351629" cy="1351629"/>
           </a:xfrm>
+          <a:effectLst>
+            <a:outerShdw blurRad="50800" dist="38100" dir="5400000" algn="t" rotWithShape="0">
+              <a:prstClr val="black">
+                <a:alpha val="40000"/>
+              </a:prstClr>
+            </a:outerShdw>
+          </a:effectLst>
         </p:grpSpPr>
         <p:pic>
           <p:nvPicPr>
@@ -10699,6 +10850,13 @@
           <a:prstGeom prst="rect">
             <a:avLst/>
           </a:prstGeom>
+          <a:effectLst>
+            <a:outerShdw blurRad="50800" dist="38100" dir="5400000" algn="t" rotWithShape="0">
+              <a:prstClr val="black">
+                <a:alpha val="40000"/>
+              </a:prstClr>
+            </a:outerShdw>
+          </a:effectLst>
         </p:spPr>
       </p:pic>
       <p:pic>
@@ -10782,6 +10940,13 @@
           <a:prstGeom prst="rect">
             <a:avLst/>
           </a:prstGeom>
+          <a:effectLst>
+            <a:outerShdw blurRad="50800" dist="38100" dir="5400000" algn="t" rotWithShape="0">
+              <a:prstClr val="black">
+                <a:alpha val="40000"/>
+              </a:prstClr>
+            </a:outerShdw>
+          </a:effectLst>
         </p:spPr>
       </p:pic>
       <p:pic>

--- a/doc/B-3_配布資料/B3炙りえんがわ_成果発表会資料.pptx
+++ b/doc/B-3_配布資料/B3炙りえんがわ_成果発表会資料.pptx
@@ -5684,7 +5684,21 @@
                 <a:latin typeface="BIZ UDP明朝 Medium" panose="02020500000000000000" pitchFamily="18" charset="-128"/>
                 <a:ea typeface="BIZ UDP明朝 Medium" panose="02020500000000000000" pitchFamily="18" charset="-128"/>
               </a:rPr>
-              <a:t>常に意見を出してくれるうえ、話を進めてくれる。作業中でもすぐに手を止めて仲間の話に耳を傾けてくれた。ムービーメーカーで、チームに限らずクラス全体を活気あるものにしてくれてありがとう！​</a:t>
+              <a:t>常に意見を出してくれるうえ、話を進めてくれる。作業中でもすぐに手を止めて仲間の話に耳を傾けてくれた</a:t>
+            </a:r>
+            <a:r>
+              <a:rPr kumimoji="1" lang="ja-JP" altLang="en-US" sz="2000">
+                <a:latin typeface="BIZ UDP明朝 Medium" panose="02020500000000000000" pitchFamily="18" charset="-128"/>
+                <a:ea typeface="BIZ UDP明朝 Medium" panose="02020500000000000000" pitchFamily="18" charset="-128"/>
+              </a:rPr>
+              <a:t>。ムードメーカー</a:t>
+            </a:r>
+            <a:r>
+              <a:rPr kumimoji="1" lang="ja-JP" altLang="en-US" sz="2000" dirty="0">
+                <a:latin typeface="BIZ UDP明朝 Medium" panose="02020500000000000000" pitchFamily="18" charset="-128"/>
+                <a:ea typeface="BIZ UDP明朝 Medium" panose="02020500000000000000" pitchFamily="18" charset="-128"/>
+              </a:rPr>
+              <a:t>で、チームに限らずクラス全体を活気あるものにしてくれてありがとう！​</a:t>
             </a:r>
             <a:endParaRPr kumimoji="1" lang="en-US" altLang="ja-JP" sz="2000" dirty="0">
               <a:latin typeface="BIZ UDP明朝 Medium" panose="02020500000000000000" pitchFamily="18" charset="-128"/>

--- a/doc/B-3_配布資料/B3炙りえんがわ_成果発表会資料.pptx
+++ b/doc/B-3_配布資料/B3炙りえんがわ_成果発表会資料.pptx
@@ -3838,7 +3838,7 @@
             <a:r>
               <a:rPr kumimoji="1" lang="ja-JP" altLang="en-US" b="1" dirty="0">
                 <a:solidFill>
-                  <a:srgbClr val="5F9EA0"/>
+                  <a:srgbClr val="004080"/>
                 </a:solidFill>
                 <a:latin typeface="HGS行書体" panose="03000600000000000000" pitchFamily="66" charset="-128"/>
                 <a:ea typeface="HGS行書体" panose="03000600000000000000" pitchFamily="66" charset="-128"/>
@@ -4016,7 +4016,7 @@
             <a:r>
               <a:rPr kumimoji="1" lang="ja-JP" altLang="en-US" b="1" dirty="0">
                 <a:solidFill>
-                  <a:srgbClr val="5F9EA0"/>
+                  <a:srgbClr val="004080"/>
                 </a:solidFill>
                 <a:latin typeface="HGS行書体" panose="03000600000000000000" pitchFamily="66" charset="-128"/>
                 <a:ea typeface="HGS行書体" panose="03000600000000000000" pitchFamily="66" charset="-128"/>
@@ -4026,7 +4026,7 @@
             <a:r>
               <a:rPr kumimoji="1" lang="en-US" altLang="ja-JP" b="1" dirty="0">
                 <a:solidFill>
-                  <a:srgbClr val="5F9EA0"/>
+                  <a:srgbClr val="004080"/>
                 </a:solidFill>
                 <a:latin typeface="HGS行書体" panose="03000600000000000000" pitchFamily="66" charset="-128"/>
                 <a:ea typeface="HGS行書体" panose="03000600000000000000" pitchFamily="66" charset="-128"/>
@@ -4036,7 +4036,7 @@
             <a:r>
               <a:rPr kumimoji="1" lang="ja-JP" altLang="en-US" b="1" dirty="0">
                 <a:solidFill>
-                  <a:srgbClr val="5F9EA0"/>
+                  <a:srgbClr val="004080"/>
                 </a:solidFill>
                 <a:latin typeface="HGS行書体" panose="03000600000000000000" pitchFamily="66" charset="-128"/>
                 <a:ea typeface="HGS行書体" panose="03000600000000000000" pitchFamily="66" charset="-128"/>
@@ -4214,7 +4214,7 @@
             <a:r>
               <a:rPr kumimoji="1" lang="ja-JP" altLang="en-US" b="1" dirty="0">
                 <a:solidFill>
-                  <a:srgbClr val="5F9EA0"/>
+                  <a:srgbClr val="004080"/>
                 </a:solidFill>
                 <a:latin typeface="HGS行書体" panose="03000600000000000000" pitchFamily="66" charset="-128"/>
                 <a:ea typeface="HGS行書体" panose="03000600000000000000" pitchFamily="66" charset="-128"/>
@@ -11803,7 +11803,7 @@
             <a:r>
               <a:rPr lang="ja-JP" altLang="en-US" b="1" dirty="0">
                 <a:solidFill>
-                  <a:srgbClr val="5F9EA0"/>
+                  <a:srgbClr val="004080"/>
                 </a:solidFill>
                 <a:latin typeface="HGS行書体" panose="03000600000000000000" pitchFamily="66" charset="-128"/>
                 <a:ea typeface="HGS行書体" panose="03000600000000000000" pitchFamily="66" charset="-128"/>
@@ -11812,7 +11812,7 @@
             </a:r>
             <a:endParaRPr kumimoji="1" lang="ja-JP" altLang="en-US" b="1" dirty="0">
               <a:solidFill>
-                <a:srgbClr val="5F9EA0"/>
+                <a:srgbClr val="004080"/>
               </a:solidFill>
               <a:latin typeface="HGS行書体" panose="03000600000000000000" pitchFamily="66" charset="-128"/>
               <a:ea typeface="HGS行書体" panose="03000600000000000000" pitchFamily="66" charset="-128"/>
@@ -11988,7 +11988,7 @@
             <a:r>
               <a:rPr lang="ja-JP" altLang="en-US" b="1" dirty="0">
                 <a:solidFill>
-                  <a:srgbClr val="5F9EA0"/>
+                  <a:srgbClr val="004080"/>
                 </a:solidFill>
                 <a:latin typeface="HGS行書体" panose="03000600000000000000" pitchFamily="66" charset="-128"/>
                 <a:ea typeface="HGS行書体" panose="03000600000000000000" pitchFamily="66" charset="-128"/>
@@ -11997,7 +11997,7 @@
             </a:r>
             <a:endParaRPr kumimoji="1" lang="ja-JP" altLang="en-US" b="1" dirty="0">
               <a:solidFill>
-                <a:srgbClr val="5F9EA0"/>
+                <a:srgbClr val="004080"/>
               </a:solidFill>
               <a:latin typeface="HGS行書体" panose="03000600000000000000" pitchFamily="66" charset="-128"/>
               <a:ea typeface="HGS行書体" panose="03000600000000000000" pitchFamily="66" charset="-128"/>
@@ -12173,7 +12173,7 @@
             <a:r>
               <a:rPr kumimoji="1" lang="ja-JP" altLang="en-US" b="1" dirty="0">
                 <a:solidFill>
-                  <a:srgbClr val="5F9EA0"/>
+                  <a:srgbClr val="004080"/>
                 </a:solidFill>
                 <a:latin typeface="HGS行書体" panose="03000600000000000000" pitchFamily="66" charset="-128"/>
                 <a:ea typeface="HGS行書体" panose="03000600000000000000" pitchFamily="66" charset="-128"/>
@@ -12183,7 +12183,7 @@
             <a:r>
               <a:rPr kumimoji="1" lang="en-US" altLang="ja-JP" b="1" dirty="0">
                 <a:solidFill>
-                  <a:srgbClr val="5F9EA0"/>
+                  <a:srgbClr val="004080"/>
                 </a:solidFill>
                 <a:latin typeface="HGS行書体" panose="03000600000000000000" pitchFamily="66" charset="-128"/>
                 <a:ea typeface="HGS行書体" panose="03000600000000000000" pitchFamily="66" charset="-128"/>
@@ -12193,7 +12193,7 @@
             <a:r>
               <a:rPr kumimoji="1" lang="ja-JP" altLang="en-US" b="1" dirty="0">
                 <a:solidFill>
-                  <a:srgbClr val="5F9EA0"/>
+                  <a:srgbClr val="004080"/>
                 </a:solidFill>
                 <a:latin typeface="HGS行書体" panose="03000600000000000000" pitchFamily="66" charset="-128"/>
                 <a:ea typeface="HGS行書体" panose="03000600000000000000" pitchFamily="66" charset="-128"/>
@@ -12371,7 +12371,7 @@
             <a:r>
               <a:rPr kumimoji="1" lang="ja-JP" altLang="en-US" b="1" dirty="0">
                 <a:solidFill>
-                  <a:srgbClr val="5F9EA0"/>
+                  <a:srgbClr val="004080"/>
                 </a:solidFill>
                 <a:latin typeface="HGS行書体" panose="03000600000000000000" pitchFamily="66" charset="-128"/>
                 <a:ea typeface="HGS行書体" panose="03000600000000000000" pitchFamily="66" charset="-128"/>
@@ -12381,7 +12381,7 @@
             <a:r>
               <a:rPr kumimoji="1" lang="en-US" altLang="ja-JP" b="1" dirty="0">
                 <a:solidFill>
-                  <a:srgbClr val="5F9EA0"/>
+                  <a:srgbClr val="004080"/>
                 </a:solidFill>
                 <a:latin typeface="HGS行書体" panose="03000600000000000000" pitchFamily="66" charset="-128"/>
                 <a:ea typeface="HGS行書体" panose="03000600000000000000" pitchFamily="66" charset="-128"/>
@@ -12391,7 +12391,7 @@
             <a:r>
               <a:rPr kumimoji="1" lang="ja-JP" altLang="en-US" b="1" dirty="0">
                 <a:solidFill>
-                  <a:srgbClr val="5F9EA0"/>
+                  <a:srgbClr val="004080"/>
                 </a:solidFill>
                 <a:latin typeface="HGS行書体" panose="03000600000000000000" pitchFamily="66" charset="-128"/>
                 <a:ea typeface="HGS行書体" panose="03000600000000000000" pitchFamily="66" charset="-128"/>
